--- a/2048.pptx
+++ b/2048.pptx
@@ -15,11 +15,11 @@
     <p:sldId id="264" r:id="rId9"/>
     <p:sldId id="265" r:id="rId10"/>
     <p:sldId id="266" r:id="rId11"/>
-    <p:sldId id="267" r:id="rId12"/>
-    <p:sldId id="268" r:id="rId13"/>
-    <p:sldId id="269" r:id="rId14"/>
-    <p:sldId id="270" r:id="rId15"/>
-    <p:sldId id="271" r:id="rId16"/>
+    <p:sldId id="268" r:id="rId12"/>
+    <p:sldId id="269" r:id="rId13"/>
+    <p:sldId id="273" r:id="rId14"/>
+    <p:sldId id="271" r:id="rId15"/>
+    <p:sldId id="272" r:id="rId16"/>
   </p:sldIdLst>
   <p:sldSz cx="12192000" cy="6858000"/>
   <p:notesSz cx="6858000" cy="9144000"/>
@@ -118,6 +118,11 @@
       </a:defRPr>
     </a:lvl9pPr>
   </p:defaultTextStyle>
+  <p:extLst>
+    <p:ext uri="{EFAFB233-063F-42B5-8137-9DF3F51BA10A}">
+      <p15:sldGuideLst xmlns:p15="http://schemas.microsoft.com/office/powerpoint/2012/main"/>
+    </p:ext>
+  </p:extLst>
 </p:presentation>
 </file>
 
@@ -280,9 +285,9 @@
           <a:p>
             <a:fld id="{A7A53C19-50C9-4B03-8526-F900499B375C}" type="datetimeFigureOut">
               <a:rPr lang="ko-KR" altLang="en-US" smtClean="0"/>
-              <a:t>2021-01-08(Fri)</a:t>
+              <a:t>2021-01-18(Mon)</a:t>
             </a:fld>
-            <a:endParaRPr lang="ko-KR" altLang="en-US"/>
+            <a:endParaRPr lang="ko-KR" altLang="en-US" dirty="0"/>
           </a:p>
         </p:txBody>
       </p:sp>
@@ -307,7 +312,7 @@
           <a:bodyPr/>
           <a:lstStyle/>
           <a:p>
-            <a:endParaRPr lang="ko-KR" altLang="en-US"/>
+            <a:endParaRPr lang="ko-KR" altLang="en-US" dirty="0"/>
           </a:p>
         </p:txBody>
       </p:sp>
@@ -336,7 +341,7 @@
               <a:rPr lang="ko-KR" altLang="en-US" smtClean="0"/>
               <a:t>‹#›</a:t>
             </a:fld>
-            <a:endParaRPr lang="ko-KR" altLang="en-US"/>
+            <a:endParaRPr lang="ko-KR" altLang="en-US" dirty="0"/>
           </a:p>
         </p:txBody>
       </p:sp>
@@ -478,9 +483,9 @@
           <a:p>
             <a:fld id="{A7A53C19-50C9-4B03-8526-F900499B375C}" type="datetimeFigureOut">
               <a:rPr lang="ko-KR" altLang="en-US" smtClean="0"/>
-              <a:t>2021-01-08(Fri)</a:t>
+              <a:t>2021-01-18(Mon)</a:t>
             </a:fld>
-            <a:endParaRPr lang="ko-KR" altLang="en-US"/>
+            <a:endParaRPr lang="ko-KR" altLang="en-US" dirty="0"/>
           </a:p>
         </p:txBody>
       </p:sp>
@@ -505,7 +510,7 @@
           <a:bodyPr/>
           <a:lstStyle/>
           <a:p>
-            <a:endParaRPr lang="ko-KR" altLang="en-US"/>
+            <a:endParaRPr lang="ko-KR" altLang="en-US" dirty="0"/>
           </a:p>
         </p:txBody>
       </p:sp>
@@ -534,7 +539,7 @@
               <a:rPr lang="ko-KR" altLang="en-US" smtClean="0"/>
               <a:t>‹#›</a:t>
             </a:fld>
-            <a:endParaRPr lang="ko-KR" altLang="en-US"/>
+            <a:endParaRPr lang="ko-KR" altLang="en-US" dirty="0"/>
           </a:p>
         </p:txBody>
       </p:sp>
@@ -686,9 +691,9 @@
           <a:p>
             <a:fld id="{A7A53C19-50C9-4B03-8526-F900499B375C}" type="datetimeFigureOut">
               <a:rPr lang="ko-KR" altLang="en-US" smtClean="0"/>
-              <a:t>2021-01-08(Fri)</a:t>
+              <a:t>2021-01-18(Mon)</a:t>
             </a:fld>
-            <a:endParaRPr lang="ko-KR" altLang="en-US"/>
+            <a:endParaRPr lang="ko-KR" altLang="en-US" dirty="0"/>
           </a:p>
         </p:txBody>
       </p:sp>
@@ -713,7 +718,7 @@
           <a:bodyPr/>
           <a:lstStyle/>
           <a:p>
-            <a:endParaRPr lang="ko-KR" altLang="en-US"/>
+            <a:endParaRPr lang="ko-KR" altLang="en-US" dirty="0"/>
           </a:p>
         </p:txBody>
       </p:sp>
@@ -742,7 +747,7 @@
               <a:rPr lang="ko-KR" altLang="en-US" smtClean="0"/>
               <a:t>‹#›</a:t>
             </a:fld>
-            <a:endParaRPr lang="ko-KR" altLang="en-US"/>
+            <a:endParaRPr lang="ko-KR" altLang="en-US" dirty="0"/>
           </a:p>
         </p:txBody>
       </p:sp>
@@ -884,9 +889,9 @@
           <a:p>
             <a:fld id="{A7A53C19-50C9-4B03-8526-F900499B375C}" type="datetimeFigureOut">
               <a:rPr lang="ko-KR" altLang="en-US" smtClean="0"/>
-              <a:t>2021-01-08(Fri)</a:t>
+              <a:t>2021-01-18(Mon)</a:t>
             </a:fld>
-            <a:endParaRPr lang="ko-KR" altLang="en-US"/>
+            <a:endParaRPr lang="ko-KR" altLang="en-US" dirty="0"/>
           </a:p>
         </p:txBody>
       </p:sp>
@@ -911,7 +916,7 @@
           <a:bodyPr/>
           <a:lstStyle/>
           <a:p>
-            <a:endParaRPr lang="ko-KR" altLang="en-US"/>
+            <a:endParaRPr lang="ko-KR" altLang="en-US" dirty="0"/>
           </a:p>
         </p:txBody>
       </p:sp>
@@ -940,7 +945,7 @@
               <a:rPr lang="ko-KR" altLang="en-US" smtClean="0"/>
               <a:t>‹#›</a:t>
             </a:fld>
-            <a:endParaRPr lang="ko-KR" altLang="en-US"/>
+            <a:endParaRPr lang="ko-KR" altLang="en-US" dirty="0"/>
           </a:p>
         </p:txBody>
       </p:sp>
@@ -1159,9 +1164,9 @@
           <a:p>
             <a:fld id="{A7A53C19-50C9-4B03-8526-F900499B375C}" type="datetimeFigureOut">
               <a:rPr lang="ko-KR" altLang="en-US" smtClean="0"/>
-              <a:t>2021-01-08(Fri)</a:t>
+              <a:t>2021-01-18(Mon)</a:t>
             </a:fld>
-            <a:endParaRPr lang="ko-KR" altLang="en-US"/>
+            <a:endParaRPr lang="ko-KR" altLang="en-US" dirty="0"/>
           </a:p>
         </p:txBody>
       </p:sp>
@@ -1186,7 +1191,7 @@
           <a:bodyPr/>
           <a:lstStyle/>
           <a:p>
-            <a:endParaRPr lang="ko-KR" altLang="en-US"/>
+            <a:endParaRPr lang="ko-KR" altLang="en-US" dirty="0"/>
           </a:p>
         </p:txBody>
       </p:sp>
@@ -1215,7 +1220,7 @@
               <a:rPr lang="ko-KR" altLang="en-US" smtClean="0"/>
               <a:t>‹#›</a:t>
             </a:fld>
-            <a:endParaRPr lang="ko-KR" altLang="en-US"/>
+            <a:endParaRPr lang="ko-KR" altLang="en-US" dirty="0"/>
           </a:p>
         </p:txBody>
       </p:sp>
@@ -1424,9 +1429,9 @@
           <a:p>
             <a:fld id="{A7A53C19-50C9-4B03-8526-F900499B375C}" type="datetimeFigureOut">
               <a:rPr lang="ko-KR" altLang="en-US" smtClean="0"/>
-              <a:t>2021-01-08(Fri)</a:t>
+              <a:t>2021-01-18(Mon)</a:t>
             </a:fld>
-            <a:endParaRPr lang="ko-KR" altLang="en-US"/>
+            <a:endParaRPr lang="ko-KR" altLang="en-US" dirty="0"/>
           </a:p>
         </p:txBody>
       </p:sp>
@@ -1451,7 +1456,7 @@
           <a:bodyPr/>
           <a:lstStyle/>
           <a:p>
-            <a:endParaRPr lang="ko-KR" altLang="en-US"/>
+            <a:endParaRPr lang="ko-KR" altLang="en-US" dirty="0"/>
           </a:p>
         </p:txBody>
       </p:sp>
@@ -1480,7 +1485,7 @@
               <a:rPr lang="ko-KR" altLang="en-US" smtClean="0"/>
               <a:t>‹#›</a:t>
             </a:fld>
-            <a:endParaRPr lang="ko-KR" altLang="en-US"/>
+            <a:endParaRPr lang="ko-KR" altLang="en-US" dirty="0"/>
           </a:p>
         </p:txBody>
       </p:sp>
@@ -1836,9 +1841,9 @@
           <a:p>
             <a:fld id="{A7A53C19-50C9-4B03-8526-F900499B375C}" type="datetimeFigureOut">
               <a:rPr lang="ko-KR" altLang="en-US" smtClean="0"/>
-              <a:t>2021-01-08(Fri)</a:t>
+              <a:t>2021-01-18(Mon)</a:t>
             </a:fld>
-            <a:endParaRPr lang="ko-KR" altLang="en-US"/>
+            <a:endParaRPr lang="ko-KR" altLang="en-US" dirty="0"/>
           </a:p>
         </p:txBody>
       </p:sp>
@@ -1863,7 +1868,7 @@
           <a:bodyPr/>
           <a:lstStyle/>
           <a:p>
-            <a:endParaRPr lang="ko-KR" altLang="en-US"/>
+            <a:endParaRPr lang="ko-KR" altLang="en-US" dirty="0"/>
           </a:p>
         </p:txBody>
       </p:sp>
@@ -1892,7 +1897,7 @@
               <a:rPr lang="ko-KR" altLang="en-US" smtClean="0"/>
               <a:t>‹#›</a:t>
             </a:fld>
-            <a:endParaRPr lang="ko-KR" altLang="en-US"/>
+            <a:endParaRPr lang="ko-KR" altLang="en-US" dirty="0"/>
           </a:p>
         </p:txBody>
       </p:sp>
@@ -1977,9 +1982,9 @@
           <a:p>
             <a:fld id="{A7A53C19-50C9-4B03-8526-F900499B375C}" type="datetimeFigureOut">
               <a:rPr lang="ko-KR" altLang="en-US" smtClean="0"/>
-              <a:t>2021-01-08(Fri)</a:t>
+              <a:t>2021-01-18(Mon)</a:t>
             </a:fld>
-            <a:endParaRPr lang="ko-KR" altLang="en-US"/>
+            <a:endParaRPr lang="ko-KR" altLang="en-US" dirty="0"/>
           </a:p>
         </p:txBody>
       </p:sp>
@@ -2004,7 +2009,7 @@
           <a:bodyPr/>
           <a:lstStyle/>
           <a:p>
-            <a:endParaRPr lang="ko-KR" altLang="en-US"/>
+            <a:endParaRPr lang="ko-KR" altLang="en-US" dirty="0"/>
           </a:p>
         </p:txBody>
       </p:sp>
@@ -2033,7 +2038,7 @@
               <a:rPr lang="ko-KR" altLang="en-US" smtClean="0"/>
               <a:t>‹#›</a:t>
             </a:fld>
-            <a:endParaRPr lang="ko-KR" altLang="en-US"/>
+            <a:endParaRPr lang="ko-KR" altLang="en-US" dirty="0"/>
           </a:p>
         </p:txBody>
       </p:sp>
@@ -2090,9 +2095,9 @@
           <a:p>
             <a:fld id="{A7A53C19-50C9-4B03-8526-F900499B375C}" type="datetimeFigureOut">
               <a:rPr lang="ko-KR" altLang="en-US" smtClean="0"/>
-              <a:t>2021-01-08(Fri)</a:t>
+              <a:t>2021-01-18(Mon)</a:t>
             </a:fld>
-            <a:endParaRPr lang="ko-KR" altLang="en-US"/>
+            <a:endParaRPr lang="ko-KR" altLang="en-US" dirty="0"/>
           </a:p>
         </p:txBody>
       </p:sp>
@@ -2117,7 +2122,7 @@
           <a:bodyPr/>
           <a:lstStyle/>
           <a:p>
-            <a:endParaRPr lang="ko-KR" altLang="en-US"/>
+            <a:endParaRPr lang="ko-KR" altLang="en-US" dirty="0"/>
           </a:p>
         </p:txBody>
       </p:sp>
@@ -2146,7 +2151,7 @@
               <a:rPr lang="ko-KR" altLang="en-US" smtClean="0"/>
               <a:t>‹#›</a:t>
             </a:fld>
-            <a:endParaRPr lang="ko-KR" altLang="en-US"/>
+            <a:endParaRPr lang="ko-KR" altLang="en-US" dirty="0"/>
           </a:p>
         </p:txBody>
       </p:sp>
@@ -2401,9 +2406,9 @@
           <a:p>
             <a:fld id="{A7A53C19-50C9-4B03-8526-F900499B375C}" type="datetimeFigureOut">
               <a:rPr lang="ko-KR" altLang="en-US" smtClean="0"/>
-              <a:t>2021-01-08(Fri)</a:t>
+              <a:t>2021-01-18(Mon)</a:t>
             </a:fld>
-            <a:endParaRPr lang="ko-KR" altLang="en-US"/>
+            <a:endParaRPr lang="ko-KR" altLang="en-US" dirty="0"/>
           </a:p>
         </p:txBody>
       </p:sp>
@@ -2428,7 +2433,7 @@
           <a:bodyPr/>
           <a:lstStyle/>
           <a:p>
-            <a:endParaRPr lang="ko-KR" altLang="en-US"/>
+            <a:endParaRPr lang="ko-KR" altLang="en-US" dirty="0"/>
           </a:p>
         </p:txBody>
       </p:sp>
@@ -2457,7 +2462,7 @@
               <a:rPr lang="ko-KR" altLang="en-US" smtClean="0"/>
               <a:t>‹#›</a:t>
             </a:fld>
-            <a:endParaRPr lang="ko-KR" altLang="en-US"/>
+            <a:endParaRPr lang="ko-KR" altLang="en-US" dirty="0"/>
           </a:p>
         </p:txBody>
       </p:sp>
@@ -2591,7 +2596,7 @@
             </a:lvl9pPr>
           </a:lstStyle>
           <a:p>
-            <a:endParaRPr lang="ko-KR" altLang="en-US"/>
+            <a:endParaRPr lang="ko-KR" altLang="en-US" dirty="0"/>
           </a:p>
         </p:txBody>
       </p:sp>
@@ -2689,9 +2694,9 @@
           <a:p>
             <a:fld id="{A7A53C19-50C9-4B03-8526-F900499B375C}" type="datetimeFigureOut">
               <a:rPr lang="ko-KR" altLang="en-US" smtClean="0"/>
-              <a:t>2021-01-08(Fri)</a:t>
+              <a:t>2021-01-18(Mon)</a:t>
             </a:fld>
-            <a:endParaRPr lang="ko-KR" altLang="en-US"/>
+            <a:endParaRPr lang="ko-KR" altLang="en-US" dirty="0"/>
           </a:p>
         </p:txBody>
       </p:sp>
@@ -2716,7 +2721,7 @@
           <a:bodyPr/>
           <a:lstStyle/>
           <a:p>
-            <a:endParaRPr lang="ko-KR" altLang="en-US"/>
+            <a:endParaRPr lang="ko-KR" altLang="en-US" dirty="0"/>
           </a:p>
         </p:txBody>
       </p:sp>
@@ -2745,7 +2750,7 @@
               <a:rPr lang="ko-KR" altLang="en-US" smtClean="0"/>
               <a:t>‹#›</a:t>
             </a:fld>
-            <a:endParaRPr lang="ko-KR" altLang="en-US"/>
+            <a:endParaRPr lang="ko-KR" altLang="en-US" dirty="0"/>
           </a:p>
         </p:txBody>
       </p:sp>
@@ -2930,9 +2935,9 @@
           <a:p>
             <a:fld id="{A7A53C19-50C9-4B03-8526-F900499B375C}" type="datetimeFigureOut">
               <a:rPr lang="ko-KR" altLang="en-US" smtClean="0"/>
-              <a:t>2021-01-08(Fri)</a:t>
+              <a:t>2021-01-18(Mon)</a:t>
             </a:fld>
-            <a:endParaRPr lang="ko-KR" altLang="en-US"/>
+            <a:endParaRPr lang="ko-KR" altLang="en-US" dirty="0"/>
           </a:p>
         </p:txBody>
       </p:sp>
@@ -2975,7 +2980,7 @@
             </a:lvl1pPr>
           </a:lstStyle>
           <a:p>
-            <a:endParaRPr lang="ko-KR" altLang="en-US"/>
+            <a:endParaRPr lang="ko-KR" altLang="en-US" dirty="0"/>
           </a:p>
         </p:txBody>
       </p:sp>
@@ -3022,7 +3027,7 @@
               <a:rPr lang="ko-KR" altLang="en-US" smtClean="0"/>
               <a:t>‹#›</a:t>
             </a:fld>
-            <a:endParaRPr lang="ko-KR" altLang="en-US"/>
+            <a:endParaRPr lang="ko-KR" altLang="en-US" dirty="0"/>
           </a:p>
         </p:txBody>
       </p:sp>
@@ -3683,7 +3688,7 @@
                   <a:schemeClr val="tx1"/>
                 </a:solidFill>
               </a:rPr>
-              <a:t>2, 4, 4, 8</a:t>
+              <a:t>2, 4, 8, 8</a:t>
             </a:r>
             <a:endParaRPr lang="ko-KR" altLang="en-US" sz="4400" dirty="0">
               <a:solidFill>
@@ -3808,259 +3813,16 @@
           <a:lstStyle/>
           <a:p>
             <a:pPr algn="ctr"/>
-            <a:endParaRPr lang="ko-KR" altLang="en-US"/>
-          </a:p>
-        </p:txBody>
-      </p:sp>
-    </p:spTree>
-    <p:extLst>
-      <p:ext uri="{BB962C8B-B14F-4D97-AF65-F5344CB8AC3E}">
-        <p14:creationId xmlns:p14="http://schemas.microsoft.com/office/powerpoint/2010/main" val="22969650"/>
-      </p:ext>
-    </p:extLst>
-  </p:cSld>
-  <p:clrMapOvr>
-    <a:masterClrMapping/>
-  </p:clrMapOvr>
-</p:sld>
-</file>
-
-<file path=ppt/slides/slide11.xml><?xml version="1.0" encoding="utf-8"?>
-<p:sld xmlns:a="http://schemas.openxmlformats.org/drawingml/2006/main" xmlns:r="http://schemas.openxmlformats.org/officeDocument/2006/relationships" xmlns:p="http://schemas.openxmlformats.org/presentationml/2006/main">
-  <p:cSld>
-    <p:spTree>
-      <p:nvGrpSpPr>
-        <p:cNvPr id="1" name=""/>
-        <p:cNvGrpSpPr/>
-        <p:nvPr/>
-      </p:nvGrpSpPr>
-      <p:grpSpPr>
-        <a:xfrm>
-          <a:off x="0" y="0"/>
-          <a:ext cx="0" cy="0"/>
-          <a:chOff x="0" y="0"/>
-          <a:chExt cx="0" cy="0"/>
-        </a:xfrm>
-      </p:grpSpPr>
-      <p:graphicFrame>
-        <p:nvGraphicFramePr>
-          <p:cNvPr id="2" name="표 1">
-            <a:extLst>
-              <a:ext uri="{FF2B5EF4-FFF2-40B4-BE49-F238E27FC236}">
-                <a16:creationId xmlns:a16="http://schemas.microsoft.com/office/drawing/2014/main" id="{65A89CB6-68CD-4921-923E-8F8B9A124B22}"/>
-              </a:ext>
-            </a:extLst>
-          </p:cNvPr>
-          <p:cNvGraphicFramePr>
-            <a:graphicFrameLocks noGrp="1"/>
-          </p:cNvGraphicFramePr>
-          <p:nvPr>
-            <p:extLst>
-              <p:ext uri="{D42A27DB-BD31-4B8C-83A1-F6EECF244321}">
-                <p14:modId xmlns:p14="http://schemas.microsoft.com/office/powerpoint/2010/main" val="3661475212"/>
-              </p:ext>
-            </p:extLst>
-          </p:nvPr>
-        </p:nvGraphicFramePr>
-        <p:xfrm>
-          <a:off x="1312152" y="612752"/>
-          <a:ext cx="1927157" cy="5632495"/>
-        </p:xfrm>
-        <a:graphic>
-          <a:graphicData uri="http://schemas.openxmlformats.org/drawingml/2006/table">
-            <a:tbl>
-              <a:tblPr firstRow="1" bandRow="1">
-                <a:tableStyleId>{5C22544A-7EE6-4342-B048-85BDC9FD1C3A}</a:tableStyleId>
-              </a:tblPr>
-              <a:tblGrid>
-                <a:gridCol w="1927157">
-                  <a:extLst>
-                    <a:ext uri="{9D8B030D-6E8A-4147-A177-3AD203B41FA5}">
-                      <a16:colId xmlns:a16="http://schemas.microsoft.com/office/drawing/2014/main" val="2877659131"/>
-                    </a:ext>
-                  </a:extLst>
-                </a:gridCol>
-              </a:tblGrid>
-              <a:tr h="1126499">
-                <a:tc>
-                  <a:txBody>
-                    <a:bodyPr/>
-                    <a:lstStyle/>
-                    <a:p>
-                      <a:pPr algn="ctr" latinLnBrk="1"/>
-                      <a:r>
-                        <a:rPr lang="en-US" altLang="ko-KR" sz="4000" b="0" dirty="0">
-                          <a:solidFill>
-                            <a:schemeClr val="bg1"/>
-                          </a:solidFill>
-                        </a:rPr>
-                        <a:t>2</a:t>
-                      </a:r>
-                      <a:endParaRPr lang="ko-KR" altLang="en-US" sz="4000" b="0" dirty="0">
-                        <a:solidFill>
-                          <a:schemeClr val="bg1"/>
-                        </a:solidFill>
-                      </a:endParaRPr>
-                    </a:p>
-                  </a:txBody>
-                  <a:tcPr anchor="ctr">
-                    <a:solidFill>
-                      <a:schemeClr val="tx1"/>
-                    </a:solidFill>
-                  </a:tcPr>
-                </a:tc>
-                <a:extLst>
-                  <a:ext uri="{0D108BD9-81ED-4DB2-BD59-A6C34878D82A}">
-                    <a16:rowId xmlns:a16="http://schemas.microsoft.com/office/drawing/2014/main" val="524894775"/>
-                  </a:ext>
-                </a:extLst>
-              </a:tr>
-              <a:tr h="1126499">
-                <a:tc>
-                  <a:txBody>
-                    <a:bodyPr/>
-                    <a:lstStyle/>
-                    <a:p>
-                      <a:pPr algn="ctr" latinLnBrk="1"/>
-                      <a:r>
-                        <a:rPr lang="en-US" altLang="ko-KR" sz="4000" b="0" dirty="0">
-                          <a:solidFill>
-                            <a:schemeClr val="bg1"/>
-                          </a:solidFill>
-                        </a:rPr>
-                        <a:t>0</a:t>
-                      </a:r>
-                      <a:endParaRPr lang="ko-KR" altLang="en-US" sz="4000" b="0" dirty="0">
-                        <a:solidFill>
-                          <a:schemeClr val="bg1"/>
-                        </a:solidFill>
-                      </a:endParaRPr>
-                    </a:p>
-                  </a:txBody>
-                  <a:tcPr anchor="ctr">
-                    <a:solidFill>
-                      <a:schemeClr val="tx1"/>
-                    </a:solidFill>
-                  </a:tcPr>
-                </a:tc>
-                <a:extLst>
-                  <a:ext uri="{0D108BD9-81ED-4DB2-BD59-A6C34878D82A}">
-                    <a16:rowId xmlns:a16="http://schemas.microsoft.com/office/drawing/2014/main" val="1997767072"/>
-                  </a:ext>
-                </a:extLst>
-              </a:tr>
-              <a:tr h="1126499">
-                <a:tc>
-                  <a:txBody>
-                    <a:bodyPr/>
-                    <a:lstStyle/>
-                    <a:p>
-                      <a:pPr algn="ctr" latinLnBrk="1"/>
-                      <a:r>
-                        <a:rPr lang="en-US" altLang="ko-KR" sz="4000" b="0" dirty="0">
-                          <a:solidFill>
-                            <a:schemeClr val="bg1"/>
-                          </a:solidFill>
-                        </a:rPr>
-                        <a:t>0</a:t>
-                      </a:r>
-                      <a:endParaRPr lang="ko-KR" altLang="en-US" sz="4000" b="0" dirty="0">
-                        <a:solidFill>
-                          <a:schemeClr val="bg1"/>
-                        </a:solidFill>
-                      </a:endParaRPr>
-                    </a:p>
-                  </a:txBody>
-                  <a:tcPr anchor="ctr">
-                    <a:solidFill>
-                      <a:schemeClr val="tx1"/>
-                    </a:solidFill>
-                  </a:tcPr>
-                </a:tc>
-                <a:extLst>
-                  <a:ext uri="{0D108BD9-81ED-4DB2-BD59-A6C34878D82A}">
-                    <a16:rowId xmlns:a16="http://schemas.microsoft.com/office/drawing/2014/main" val="1193258116"/>
-                  </a:ext>
-                </a:extLst>
-              </a:tr>
-              <a:tr h="1126499">
-                <a:tc>
-                  <a:txBody>
-                    <a:bodyPr/>
-                    <a:lstStyle/>
-                    <a:p>
-                      <a:pPr algn="ctr" latinLnBrk="1"/>
-                      <a:r>
-                        <a:rPr lang="en-US" altLang="ko-KR" sz="4000" b="0" dirty="0">
-                          <a:solidFill>
-                            <a:schemeClr val="bg1"/>
-                          </a:solidFill>
-                        </a:rPr>
-                        <a:t>0</a:t>
-                      </a:r>
-                      <a:endParaRPr lang="ko-KR" altLang="en-US" sz="4000" b="0" dirty="0">
-                        <a:solidFill>
-                          <a:schemeClr val="bg1"/>
-                        </a:solidFill>
-                      </a:endParaRPr>
-                    </a:p>
-                  </a:txBody>
-                  <a:tcPr anchor="ctr">
-                    <a:solidFill>
-                      <a:schemeClr val="tx1"/>
-                    </a:solidFill>
-                  </a:tcPr>
-                </a:tc>
-                <a:extLst>
-                  <a:ext uri="{0D108BD9-81ED-4DB2-BD59-A6C34878D82A}">
-                    <a16:rowId xmlns:a16="http://schemas.microsoft.com/office/drawing/2014/main" val="3647202458"/>
-                  </a:ext>
-                </a:extLst>
-              </a:tr>
-              <a:tr h="1126499">
-                <a:tc>
-                  <a:txBody>
-                    <a:bodyPr/>
-                    <a:lstStyle/>
-                    <a:p>
-                      <a:pPr algn="ctr" latinLnBrk="1"/>
-                      <a:r>
-                        <a:rPr lang="en-US" altLang="ko-KR" sz="4000" b="0" dirty="0">
-                          <a:solidFill>
-                            <a:schemeClr val="bg1"/>
-                          </a:solidFill>
-                        </a:rPr>
-                        <a:t>0</a:t>
-                      </a:r>
-                      <a:endParaRPr lang="ko-KR" altLang="en-US" sz="4000" b="0" dirty="0">
-                        <a:solidFill>
-                          <a:schemeClr val="bg1"/>
-                        </a:solidFill>
-                      </a:endParaRPr>
-                    </a:p>
-                  </a:txBody>
-                  <a:tcPr anchor="ctr">
-                    <a:solidFill>
-                      <a:schemeClr val="tx1"/>
-                    </a:solidFill>
-                  </a:tcPr>
-                </a:tc>
-                <a:extLst>
-                  <a:ext uri="{0D108BD9-81ED-4DB2-BD59-A6C34878D82A}">
-                    <a16:rowId xmlns:a16="http://schemas.microsoft.com/office/drawing/2014/main" val="4029319800"/>
-                  </a:ext>
-                </a:extLst>
-              </a:tr>
-            </a:tbl>
-          </a:graphicData>
-        </a:graphic>
-      </p:graphicFrame>
-      <p:sp>
-        <p:nvSpPr>
-          <p:cNvPr id="3" name="직사각형 2">
-            <a:extLst>
-              <a:ext uri="{FF2B5EF4-FFF2-40B4-BE49-F238E27FC236}">
-                <a16:creationId xmlns:a16="http://schemas.microsoft.com/office/drawing/2014/main" id="{6EA036D7-4D23-40CE-BC1B-D3216CA50858}"/>
+            <a:endParaRPr lang="ko-KR" altLang="en-US" dirty="0"/>
+          </a:p>
+        </p:txBody>
+      </p:sp>
+      <p:sp>
+        <p:nvSpPr>
+          <p:cNvPr id="7" name="타원 6">
+            <a:extLst>
+              <a:ext uri="{FF2B5EF4-FFF2-40B4-BE49-F238E27FC236}">
+                <a16:creationId xmlns:a16="http://schemas.microsoft.com/office/drawing/2014/main" id="{45226111-2F12-4951-8EF7-9D7473F95B03}"/>
               </a:ext>
             </a:extLst>
           </p:cNvPr>
@@ -4069,16 +3831,16 @@
         </p:nvSpPr>
         <p:spPr>
           <a:xfrm>
-            <a:off x="3968885" y="1468877"/>
-            <a:ext cx="6079787" cy="856034"/>
+            <a:off x="3933217" y="1503125"/>
+            <a:ext cx="649670" cy="778692"/>
           </a:xfrm>
-          <a:prstGeom prst="rect">
+          <a:prstGeom prst="ellipse">
             <a:avLst/>
           </a:prstGeom>
           <a:noFill/>
-          <a:ln w="15875">
+          <a:ln w="25400">
             <a:solidFill>
-              <a:schemeClr val="tx1"/>
+              <a:srgbClr val="FF0000"/>
             </a:solidFill>
           </a:ln>
         </p:spPr>
@@ -4102,115 +3864,37 @@
           <a:bodyPr rtlCol="0" anchor="ctr"/>
           <a:lstStyle/>
           <a:p>
-            <a:r>
-              <a:rPr lang="en-US" altLang="ko-KR" sz="4400" dirty="0">
-                <a:solidFill>
-                  <a:schemeClr val="tx1"/>
-                </a:solidFill>
-              </a:rPr>
-              <a:t>2, 4, 4, 8</a:t>
-            </a:r>
-            <a:endParaRPr lang="ko-KR" altLang="en-US" sz="4400" dirty="0">
-              <a:solidFill>
-                <a:schemeClr val="tx1"/>
-              </a:solidFill>
-            </a:endParaRPr>
-          </a:p>
-        </p:txBody>
-      </p:sp>
-      <p:sp>
-        <p:nvSpPr>
-          <p:cNvPr id="4" name="TextBox 3">
-            <a:extLst>
-              <a:ext uri="{FF2B5EF4-FFF2-40B4-BE49-F238E27FC236}">
-                <a16:creationId xmlns:a16="http://schemas.microsoft.com/office/drawing/2014/main" id="{BC756221-A161-4613-BA17-342A703025B5}"/>
-              </a:ext>
-            </a:extLst>
-          </p:cNvPr>
-          <p:cNvSpPr txBox="1"/>
+            <a:pPr algn="ctr"/>
+            <a:endParaRPr lang="ko-KR" altLang="en-US" dirty="0"/>
+          </a:p>
+        </p:txBody>
+      </p:sp>
+      <p:sp>
+        <p:nvSpPr>
+          <p:cNvPr id="8" name="타원 7">
+            <a:extLst>
+              <a:ext uri="{FF2B5EF4-FFF2-40B4-BE49-F238E27FC236}">
+                <a16:creationId xmlns:a16="http://schemas.microsoft.com/office/drawing/2014/main" id="{935D30CB-FEF8-46C7-BA2F-C7C812ADB846}"/>
+              </a:ext>
+            </a:extLst>
+          </p:cNvPr>
+          <p:cNvSpPr/>
           <p:nvPr/>
         </p:nvSpPr>
         <p:spPr>
           <a:xfrm>
-            <a:off x="3933217" y="991903"/>
-            <a:ext cx="2217906" cy="369332"/>
+            <a:off x="1950895" y="806918"/>
+            <a:ext cx="649670" cy="778692"/>
           </a:xfrm>
-          <a:prstGeom prst="rect">
+          <a:prstGeom prst="ellipse">
             <a:avLst/>
           </a:prstGeom>
           <a:noFill/>
-        </p:spPr>
-        <p:txBody>
-          <a:bodyPr wrap="square" rtlCol="0">
-            <a:spAutoFit/>
-          </a:bodyPr>
-          <a:lstStyle/>
-          <a:p>
-            <a:r>
-              <a:rPr lang="en-US" altLang="ko-KR" dirty="0"/>
-              <a:t>Queue</a:t>
-            </a:r>
-            <a:endParaRPr lang="ko-KR" altLang="en-US" dirty="0"/>
-          </a:p>
-        </p:txBody>
-      </p:sp>
-      <p:sp>
-        <p:nvSpPr>
-          <p:cNvPr id="5" name="TextBox 4">
-            <a:extLst>
-              <a:ext uri="{FF2B5EF4-FFF2-40B4-BE49-F238E27FC236}">
-                <a16:creationId xmlns:a16="http://schemas.microsoft.com/office/drawing/2014/main" id="{2ABEF6B8-C12D-46AC-AE7A-6FAAD9D43140}"/>
-              </a:ext>
-            </a:extLst>
-          </p:cNvPr>
-          <p:cNvSpPr txBox="1"/>
-          <p:nvPr/>
-        </p:nvSpPr>
-        <p:spPr>
-          <a:xfrm>
-            <a:off x="3239309" y="153252"/>
-            <a:ext cx="5337313" cy="523220"/>
-          </a:xfrm>
-          <a:prstGeom prst="rect">
-            <a:avLst/>
-          </a:prstGeom>
-          <a:noFill/>
-        </p:spPr>
-        <p:txBody>
-          <a:bodyPr wrap="square" rtlCol="0">
-            <a:spAutoFit/>
-          </a:bodyPr>
-          <a:lstStyle/>
-          <a:p>
-            <a:pPr algn="ctr"/>
-            <a:r>
-              <a:rPr lang="en-US" altLang="ko-KR" sz="2800" dirty="0"/>
-              <a:t>UP</a:t>
-            </a:r>
-            <a:endParaRPr lang="ko-KR" altLang="en-US" sz="2800" dirty="0"/>
-          </a:p>
-        </p:txBody>
-      </p:sp>
-      <p:sp>
-        <p:nvSpPr>
-          <p:cNvPr id="6" name="화살표: 오른쪽 5">
-            <a:extLst>
-              <a:ext uri="{FF2B5EF4-FFF2-40B4-BE49-F238E27FC236}">
-                <a16:creationId xmlns:a16="http://schemas.microsoft.com/office/drawing/2014/main" id="{196400B8-0F3F-4C83-8818-5EC27CC99564}"/>
-              </a:ext>
-            </a:extLst>
-          </p:cNvPr>
-          <p:cNvSpPr/>
-          <p:nvPr/>
-        </p:nvSpPr>
-        <p:spPr>
-          <a:xfrm>
-            <a:off x="194554" y="806918"/>
-            <a:ext cx="933855" cy="739302"/>
-          </a:xfrm>
-          <a:prstGeom prst="rightArrow">
-            <a:avLst/>
-          </a:prstGeom>
+          <a:ln w="25400">
+            <a:solidFill>
+              <a:srgbClr val="FF0000"/>
+            </a:solidFill>
+          </a:ln>
         </p:spPr>
         <p:style>
           <a:lnRef idx="2">
@@ -4233,14 +3917,14 @@
           <a:lstStyle/>
           <a:p>
             <a:pPr algn="ctr"/>
-            <a:endParaRPr lang="ko-KR" altLang="en-US"/>
+            <a:endParaRPr lang="ko-KR" altLang="en-US" dirty="0"/>
           </a:p>
         </p:txBody>
       </p:sp>
     </p:spTree>
     <p:extLst>
       <p:ext uri="{BB962C8B-B14F-4D97-AF65-F5344CB8AC3E}">
-        <p14:creationId xmlns:p14="http://schemas.microsoft.com/office/powerpoint/2010/main" val="1411400982"/>
+        <p14:creationId xmlns:p14="http://schemas.microsoft.com/office/powerpoint/2010/main" val="22969650"/>
       </p:ext>
     </p:extLst>
   </p:cSld>
@@ -4250,7 +3934,7 @@
 </p:sld>
 </file>
 
-<file path=ppt/slides/slide12.xml><?xml version="1.0" encoding="utf-8"?>
+<file path=ppt/slides/slide11.xml><?xml version="1.0" encoding="utf-8"?>
 <p:sld xmlns:a="http://schemas.openxmlformats.org/drawingml/2006/main" xmlns:r="http://schemas.openxmlformats.org/officeDocument/2006/relationships" xmlns:p="http://schemas.openxmlformats.org/presentationml/2006/main">
   <p:cSld>
     <p:spTree>
@@ -4533,7 +4217,7 @@
                   <a:schemeClr val="tx1"/>
                 </a:solidFill>
               </a:rPr>
-              <a:t>4, 4, 8</a:t>
+              <a:t>4, 8, 8</a:t>
             </a:r>
             <a:endParaRPr lang="ko-KR" altLang="en-US" sz="4400" dirty="0">
               <a:solidFill>
@@ -4658,7 +4342,111 @@
           <a:lstStyle/>
           <a:p>
             <a:pPr algn="ctr"/>
-            <a:endParaRPr lang="ko-KR" altLang="en-US"/>
+            <a:endParaRPr lang="ko-KR" altLang="en-US" dirty="0"/>
+          </a:p>
+        </p:txBody>
+      </p:sp>
+      <p:sp>
+        <p:nvSpPr>
+          <p:cNvPr id="7" name="타원 6">
+            <a:extLst>
+              <a:ext uri="{FF2B5EF4-FFF2-40B4-BE49-F238E27FC236}">
+                <a16:creationId xmlns:a16="http://schemas.microsoft.com/office/drawing/2014/main" id="{2B8EEC63-093D-4C0D-96DD-4726DC2471FB}"/>
+              </a:ext>
+            </a:extLst>
+          </p:cNvPr>
+          <p:cNvSpPr/>
+          <p:nvPr/>
+        </p:nvSpPr>
+        <p:spPr>
+          <a:xfrm>
+            <a:off x="3933217" y="1503125"/>
+            <a:ext cx="649670" cy="778692"/>
+          </a:xfrm>
+          <a:prstGeom prst="ellipse">
+            <a:avLst/>
+          </a:prstGeom>
+          <a:noFill/>
+          <a:ln w="25400">
+            <a:solidFill>
+              <a:srgbClr val="FF0000"/>
+            </a:solidFill>
+          </a:ln>
+        </p:spPr>
+        <p:style>
+          <a:lnRef idx="2">
+            <a:schemeClr val="accent1">
+              <a:shade val="50000"/>
+            </a:schemeClr>
+          </a:lnRef>
+          <a:fillRef idx="1">
+            <a:schemeClr val="accent1"/>
+          </a:fillRef>
+          <a:effectRef idx="0">
+            <a:schemeClr val="accent1"/>
+          </a:effectRef>
+          <a:fontRef idx="minor">
+            <a:schemeClr val="lt1"/>
+          </a:fontRef>
+        </p:style>
+        <p:txBody>
+          <a:bodyPr rtlCol="0" anchor="ctr"/>
+          <a:lstStyle/>
+          <a:p>
+            <a:pPr algn="ctr"/>
+            <a:endParaRPr lang="ko-KR" altLang="en-US" dirty="0"/>
+          </a:p>
+        </p:txBody>
+      </p:sp>
+      <p:sp>
+        <p:nvSpPr>
+          <p:cNvPr id="8" name="타원 7">
+            <a:extLst>
+              <a:ext uri="{FF2B5EF4-FFF2-40B4-BE49-F238E27FC236}">
+                <a16:creationId xmlns:a16="http://schemas.microsoft.com/office/drawing/2014/main" id="{7BA87E24-2ABA-4BC8-8E11-6FF2F5FE4B2F}"/>
+              </a:ext>
+            </a:extLst>
+          </p:cNvPr>
+          <p:cNvSpPr/>
+          <p:nvPr/>
+        </p:nvSpPr>
+        <p:spPr>
+          <a:xfrm>
+            <a:off x="1950895" y="1948203"/>
+            <a:ext cx="649670" cy="778692"/>
+          </a:xfrm>
+          <a:prstGeom prst="ellipse">
+            <a:avLst/>
+          </a:prstGeom>
+          <a:noFill/>
+          <a:ln w="25400">
+            <a:solidFill>
+              <a:srgbClr val="FF0000"/>
+            </a:solidFill>
+          </a:ln>
+        </p:spPr>
+        <p:style>
+          <a:lnRef idx="2">
+            <a:schemeClr val="accent1">
+              <a:shade val="50000"/>
+            </a:schemeClr>
+          </a:lnRef>
+          <a:fillRef idx="1">
+            <a:schemeClr val="accent1"/>
+          </a:fillRef>
+          <a:effectRef idx="0">
+            <a:schemeClr val="accent1"/>
+          </a:effectRef>
+          <a:fontRef idx="minor">
+            <a:schemeClr val="lt1"/>
+          </a:fontRef>
+        </p:style>
+        <p:txBody>
+          <a:bodyPr rtlCol="0" anchor="ctr"/>
+          <a:lstStyle/>
+          <a:p>
+            <a:pPr algn="ctr"/>
+            <a:endParaRPr lang="ko-KR" altLang="en-US" dirty="0"/>
           </a:p>
         </p:txBody>
       </p:sp>
@@ -4675,7 +4463,7 @@
 </p:sld>
 </file>
 
-<file path=ppt/slides/slide13.xml><?xml version="1.0" encoding="utf-8"?>
+<file path=ppt/slides/slide12.xml><?xml version="1.0" encoding="utf-8"?>
 <p:sld xmlns:a="http://schemas.openxmlformats.org/drawingml/2006/main" xmlns:r="http://schemas.openxmlformats.org/officeDocument/2006/relationships" xmlns:p="http://schemas.openxmlformats.org/presentationml/2006/main">
   <p:cSld>
     <p:spTree>
@@ -4958,7 +4746,7 @@
                   <a:schemeClr val="tx1"/>
                 </a:solidFill>
               </a:rPr>
-              <a:t>4, 8</a:t>
+              <a:t>8, 8</a:t>
             </a:r>
             <a:endParaRPr lang="ko-KR" altLang="en-US" sz="4400" dirty="0">
               <a:solidFill>
@@ -5083,7 +4871,111 @@
           <a:lstStyle/>
           <a:p>
             <a:pPr algn="ctr"/>
-            <a:endParaRPr lang="ko-KR" altLang="en-US"/>
+            <a:endParaRPr lang="ko-KR" altLang="en-US" dirty="0"/>
+          </a:p>
+        </p:txBody>
+      </p:sp>
+      <p:sp>
+        <p:nvSpPr>
+          <p:cNvPr id="7" name="타원 6">
+            <a:extLst>
+              <a:ext uri="{FF2B5EF4-FFF2-40B4-BE49-F238E27FC236}">
+                <a16:creationId xmlns:a16="http://schemas.microsoft.com/office/drawing/2014/main" id="{23EDDB18-15F1-42DE-A836-0F550E79ED37}"/>
+              </a:ext>
+            </a:extLst>
+          </p:cNvPr>
+          <p:cNvSpPr/>
+          <p:nvPr/>
+        </p:nvSpPr>
+        <p:spPr>
+          <a:xfrm>
+            <a:off x="3933217" y="1503125"/>
+            <a:ext cx="649670" cy="778692"/>
+          </a:xfrm>
+          <a:prstGeom prst="ellipse">
+            <a:avLst/>
+          </a:prstGeom>
+          <a:noFill/>
+          <a:ln w="25400">
+            <a:solidFill>
+              <a:srgbClr val="FF0000"/>
+            </a:solidFill>
+          </a:ln>
+        </p:spPr>
+        <p:style>
+          <a:lnRef idx="2">
+            <a:schemeClr val="accent1">
+              <a:shade val="50000"/>
+            </a:schemeClr>
+          </a:lnRef>
+          <a:fillRef idx="1">
+            <a:schemeClr val="accent1"/>
+          </a:fillRef>
+          <a:effectRef idx="0">
+            <a:schemeClr val="accent1"/>
+          </a:effectRef>
+          <a:fontRef idx="minor">
+            <a:schemeClr val="lt1"/>
+          </a:fontRef>
+        </p:style>
+        <p:txBody>
+          <a:bodyPr rtlCol="0" anchor="ctr"/>
+          <a:lstStyle/>
+          <a:p>
+            <a:pPr algn="ctr"/>
+            <a:endParaRPr lang="ko-KR" altLang="en-US" dirty="0"/>
+          </a:p>
+        </p:txBody>
+      </p:sp>
+      <p:sp>
+        <p:nvSpPr>
+          <p:cNvPr id="8" name="타원 7">
+            <a:extLst>
+              <a:ext uri="{FF2B5EF4-FFF2-40B4-BE49-F238E27FC236}">
+                <a16:creationId xmlns:a16="http://schemas.microsoft.com/office/drawing/2014/main" id="{52B45622-3395-4EC6-8EDA-38339A2DA01A}"/>
+              </a:ext>
+            </a:extLst>
+          </p:cNvPr>
+          <p:cNvSpPr/>
+          <p:nvPr/>
+        </p:nvSpPr>
+        <p:spPr>
+          <a:xfrm>
+            <a:off x="1950895" y="1948203"/>
+            <a:ext cx="649670" cy="778692"/>
+          </a:xfrm>
+          <a:prstGeom prst="ellipse">
+            <a:avLst/>
+          </a:prstGeom>
+          <a:noFill/>
+          <a:ln w="25400">
+            <a:solidFill>
+              <a:srgbClr val="FF0000"/>
+            </a:solidFill>
+          </a:ln>
+        </p:spPr>
+        <p:style>
+          <a:lnRef idx="2">
+            <a:schemeClr val="accent1">
+              <a:shade val="50000"/>
+            </a:schemeClr>
+          </a:lnRef>
+          <a:fillRef idx="1">
+            <a:schemeClr val="accent1"/>
+          </a:fillRef>
+          <a:effectRef idx="0">
+            <a:schemeClr val="accent1"/>
+          </a:effectRef>
+          <a:fontRef idx="minor">
+            <a:schemeClr val="lt1"/>
+          </a:fontRef>
+        </p:style>
+        <p:txBody>
+          <a:bodyPr rtlCol="0" anchor="ctr"/>
+          <a:lstStyle/>
+          <a:p>
+            <a:pPr algn="ctr"/>
+            <a:endParaRPr lang="ko-KR" altLang="en-US" dirty="0"/>
           </a:p>
         </p:txBody>
       </p:sp>
@@ -5100,7 +4992,7 @@
 </p:sld>
 </file>
 
-<file path=ppt/slides/slide14.xml><?xml version="1.0" encoding="utf-8"?>
+<file path=ppt/slides/slide13.xml><?xml version="1.0" encoding="utf-8"?>
 <p:sld xmlns:a="http://schemas.openxmlformats.org/drawingml/2006/main" xmlns:r="http://schemas.openxmlformats.org/officeDocument/2006/relationships" xmlns:p="http://schemas.openxmlformats.org/presentationml/2006/main">
   <p:cSld>
     <p:spTree>
@@ -5119,10 +5011,10 @@
       </p:grpSpPr>
       <p:graphicFrame>
         <p:nvGraphicFramePr>
-          <p:cNvPr id="2" name="표 1">
-            <a:extLst>
-              <a:ext uri="{FF2B5EF4-FFF2-40B4-BE49-F238E27FC236}">
-                <a16:creationId xmlns:a16="http://schemas.microsoft.com/office/drawing/2014/main" id="{A8CC3DC0-6E87-4413-835D-2E0759298F50}"/>
+          <p:cNvPr id="4" name="표 3">
+            <a:extLst>
+              <a:ext uri="{FF2B5EF4-FFF2-40B4-BE49-F238E27FC236}">
+                <a16:creationId xmlns:a16="http://schemas.microsoft.com/office/drawing/2014/main" id="{46AAF5D8-6A5D-47ED-BC5B-50B203282E55}"/>
               </a:ext>
             </a:extLst>
           </p:cNvPr>
@@ -5132,7 +5024,7 @@
           <p:nvPr>
             <p:extLst>
               <p:ext uri="{D42A27DB-BD31-4B8C-83A1-F6EECF244321}">
-                <p14:modId xmlns:p14="http://schemas.microsoft.com/office/powerpoint/2010/main" val="518918891"/>
+                <p14:modId xmlns:p14="http://schemas.microsoft.com/office/powerpoint/2010/main" val="3867089339"/>
               </p:ext>
             </p:extLst>
           </p:nvPr>
@@ -5203,432 +5095,7 @@
                             <a:schemeClr val="bg1"/>
                           </a:solidFill>
                         </a:rPr>
-                        <a:t>8</a:t>
-                      </a:r>
-                      <a:endParaRPr lang="ko-KR" altLang="en-US" sz="4000" b="0" dirty="0">
-                        <a:solidFill>
-                          <a:schemeClr val="bg1"/>
-                        </a:solidFill>
-                      </a:endParaRPr>
-                    </a:p>
-                  </a:txBody>
-                  <a:tcPr anchor="ctr">
-                    <a:solidFill>
-                      <a:schemeClr val="tx1"/>
-                    </a:solidFill>
-                  </a:tcPr>
-                </a:tc>
-                <a:extLst>
-                  <a:ext uri="{0D108BD9-81ED-4DB2-BD59-A6C34878D82A}">
-                    <a16:rowId xmlns:a16="http://schemas.microsoft.com/office/drawing/2014/main" val="1997767072"/>
-                  </a:ext>
-                </a:extLst>
-              </a:tr>
-              <a:tr h="1126499">
-                <a:tc>
-                  <a:txBody>
-                    <a:bodyPr/>
-                    <a:lstStyle/>
-                    <a:p>
-                      <a:pPr algn="ctr" latinLnBrk="1"/>
-                      <a:r>
-                        <a:rPr lang="en-US" altLang="ko-KR" sz="4000" b="0" dirty="0">
-                          <a:solidFill>
-                            <a:schemeClr val="bg1"/>
-                          </a:solidFill>
-                        </a:rPr>
-                        <a:t>0</a:t>
-                      </a:r>
-                      <a:endParaRPr lang="ko-KR" altLang="en-US" sz="4000" b="0" dirty="0">
-                        <a:solidFill>
-                          <a:schemeClr val="bg1"/>
-                        </a:solidFill>
-                      </a:endParaRPr>
-                    </a:p>
-                  </a:txBody>
-                  <a:tcPr anchor="ctr">
-                    <a:solidFill>
-                      <a:schemeClr val="tx1"/>
-                    </a:solidFill>
-                  </a:tcPr>
-                </a:tc>
-                <a:extLst>
-                  <a:ext uri="{0D108BD9-81ED-4DB2-BD59-A6C34878D82A}">
-                    <a16:rowId xmlns:a16="http://schemas.microsoft.com/office/drawing/2014/main" val="1193258116"/>
-                  </a:ext>
-                </a:extLst>
-              </a:tr>
-              <a:tr h="1126499">
-                <a:tc>
-                  <a:txBody>
-                    <a:bodyPr/>
-                    <a:lstStyle/>
-                    <a:p>
-                      <a:pPr algn="ctr" latinLnBrk="1"/>
-                      <a:r>
-                        <a:rPr lang="en-US" altLang="ko-KR" sz="4000" b="0" dirty="0">
-                          <a:solidFill>
-                            <a:schemeClr val="bg1"/>
-                          </a:solidFill>
-                        </a:rPr>
-                        <a:t>0</a:t>
-                      </a:r>
-                      <a:endParaRPr lang="ko-KR" altLang="en-US" sz="4000" b="0" dirty="0">
-                        <a:solidFill>
-                          <a:schemeClr val="bg1"/>
-                        </a:solidFill>
-                      </a:endParaRPr>
-                    </a:p>
-                  </a:txBody>
-                  <a:tcPr anchor="ctr">
-                    <a:solidFill>
-                      <a:schemeClr val="tx1"/>
-                    </a:solidFill>
-                  </a:tcPr>
-                </a:tc>
-                <a:extLst>
-                  <a:ext uri="{0D108BD9-81ED-4DB2-BD59-A6C34878D82A}">
-                    <a16:rowId xmlns:a16="http://schemas.microsoft.com/office/drawing/2014/main" val="3647202458"/>
-                  </a:ext>
-                </a:extLst>
-              </a:tr>
-              <a:tr h="1126499">
-                <a:tc>
-                  <a:txBody>
-                    <a:bodyPr/>
-                    <a:lstStyle/>
-                    <a:p>
-                      <a:pPr algn="ctr" latinLnBrk="1"/>
-                      <a:r>
-                        <a:rPr lang="en-US" altLang="ko-KR" sz="4000" b="0" dirty="0">
-                          <a:solidFill>
-                            <a:schemeClr val="bg1"/>
-                          </a:solidFill>
-                        </a:rPr>
-                        <a:t>0</a:t>
-                      </a:r>
-                      <a:endParaRPr lang="ko-KR" altLang="en-US" sz="4000" b="0" dirty="0">
-                        <a:solidFill>
-                          <a:schemeClr val="bg1"/>
-                        </a:solidFill>
-                      </a:endParaRPr>
-                    </a:p>
-                  </a:txBody>
-                  <a:tcPr anchor="ctr">
-                    <a:solidFill>
-                      <a:schemeClr val="tx1"/>
-                    </a:solidFill>
-                  </a:tcPr>
-                </a:tc>
-                <a:extLst>
-                  <a:ext uri="{0D108BD9-81ED-4DB2-BD59-A6C34878D82A}">
-                    <a16:rowId xmlns:a16="http://schemas.microsoft.com/office/drawing/2014/main" val="4029319800"/>
-                  </a:ext>
-                </a:extLst>
-              </a:tr>
-            </a:tbl>
-          </a:graphicData>
-        </a:graphic>
-      </p:graphicFrame>
-      <p:sp>
-        <p:nvSpPr>
-          <p:cNvPr id="3" name="직사각형 2">
-            <a:extLst>
-              <a:ext uri="{FF2B5EF4-FFF2-40B4-BE49-F238E27FC236}">
-                <a16:creationId xmlns:a16="http://schemas.microsoft.com/office/drawing/2014/main" id="{54787325-422D-4854-8F3E-19C37AEC5472}"/>
-              </a:ext>
-            </a:extLst>
-          </p:cNvPr>
-          <p:cNvSpPr/>
-          <p:nvPr/>
-        </p:nvSpPr>
-        <p:spPr>
-          <a:xfrm>
-            <a:off x="3968885" y="1468877"/>
-            <a:ext cx="6079787" cy="856034"/>
-          </a:xfrm>
-          <a:prstGeom prst="rect">
-            <a:avLst/>
-          </a:prstGeom>
-          <a:noFill/>
-          <a:ln w="15875">
-            <a:solidFill>
-              <a:schemeClr val="tx1"/>
-            </a:solidFill>
-          </a:ln>
-        </p:spPr>
-        <p:style>
-          <a:lnRef idx="2">
-            <a:schemeClr val="accent1">
-              <a:shade val="50000"/>
-            </a:schemeClr>
-          </a:lnRef>
-          <a:fillRef idx="1">
-            <a:schemeClr val="accent1"/>
-          </a:fillRef>
-          <a:effectRef idx="0">
-            <a:schemeClr val="accent1"/>
-          </a:effectRef>
-          <a:fontRef idx="minor">
-            <a:schemeClr val="lt1"/>
-          </a:fontRef>
-        </p:style>
-        <p:txBody>
-          <a:bodyPr rtlCol="0" anchor="ctr"/>
-          <a:lstStyle/>
-          <a:p>
-            <a:r>
-              <a:rPr lang="en-US" altLang="ko-KR" sz="4400" dirty="0">
-                <a:solidFill>
-                  <a:schemeClr val="tx1"/>
-                </a:solidFill>
-              </a:rPr>
-              <a:t>8</a:t>
-            </a:r>
-            <a:endParaRPr lang="ko-KR" altLang="en-US" sz="4400" dirty="0">
-              <a:solidFill>
-                <a:schemeClr val="tx1"/>
-              </a:solidFill>
-            </a:endParaRPr>
-          </a:p>
-        </p:txBody>
-      </p:sp>
-      <p:sp>
-        <p:nvSpPr>
-          <p:cNvPr id="4" name="TextBox 3">
-            <a:extLst>
-              <a:ext uri="{FF2B5EF4-FFF2-40B4-BE49-F238E27FC236}">
-                <a16:creationId xmlns:a16="http://schemas.microsoft.com/office/drawing/2014/main" id="{37C014CC-E28D-4591-8FD1-C07485AD8346}"/>
-              </a:ext>
-            </a:extLst>
-          </p:cNvPr>
-          <p:cNvSpPr txBox="1"/>
-          <p:nvPr/>
-        </p:nvSpPr>
-        <p:spPr>
-          <a:xfrm>
-            <a:off x="3933217" y="991903"/>
-            <a:ext cx="2217906" cy="369332"/>
-          </a:xfrm>
-          <a:prstGeom prst="rect">
-            <a:avLst/>
-          </a:prstGeom>
-          <a:noFill/>
-        </p:spPr>
-        <p:txBody>
-          <a:bodyPr wrap="square" rtlCol="0">
-            <a:spAutoFit/>
-          </a:bodyPr>
-          <a:lstStyle/>
-          <a:p>
-            <a:r>
-              <a:rPr lang="en-US" altLang="ko-KR" dirty="0"/>
-              <a:t>Queue</a:t>
-            </a:r>
-            <a:endParaRPr lang="ko-KR" altLang="en-US" dirty="0"/>
-          </a:p>
-        </p:txBody>
-      </p:sp>
-      <p:sp>
-        <p:nvSpPr>
-          <p:cNvPr id="5" name="TextBox 4">
-            <a:extLst>
-              <a:ext uri="{FF2B5EF4-FFF2-40B4-BE49-F238E27FC236}">
-                <a16:creationId xmlns:a16="http://schemas.microsoft.com/office/drawing/2014/main" id="{094CC4CE-482A-4D56-9318-732CFB6D63A4}"/>
-              </a:ext>
-            </a:extLst>
-          </p:cNvPr>
-          <p:cNvSpPr txBox="1"/>
-          <p:nvPr/>
-        </p:nvSpPr>
-        <p:spPr>
-          <a:xfrm>
-            <a:off x="3239309" y="153252"/>
-            <a:ext cx="5337313" cy="523220"/>
-          </a:xfrm>
-          <a:prstGeom prst="rect">
-            <a:avLst/>
-          </a:prstGeom>
-          <a:noFill/>
-        </p:spPr>
-        <p:txBody>
-          <a:bodyPr wrap="square" rtlCol="0">
-            <a:spAutoFit/>
-          </a:bodyPr>
-          <a:lstStyle/>
-          <a:p>
-            <a:pPr algn="ctr"/>
-            <a:r>
-              <a:rPr lang="en-US" altLang="ko-KR" sz="2800" dirty="0"/>
-              <a:t>UP</a:t>
-            </a:r>
-            <a:endParaRPr lang="ko-KR" altLang="en-US" sz="2800" dirty="0"/>
-          </a:p>
-        </p:txBody>
-      </p:sp>
-      <p:sp>
-        <p:nvSpPr>
-          <p:cNvPr id="6" name="화살표: 오른쪽 5">
-            <a:extLst>
-              <a:ext uri="{FF2B5EF4-FFF2-40B4-BE49-F238E27FC236}">
-                <a16:creationId xmlns:a16="http://schemas.microsoft.com/office/drawing/2014/main" id="{D0444E11-BD6E-4896-993B-9EF59183DF98}"/>
-              </a:ext>
-            </a:extLst>
-          </p:cNvPr>
-          <p:cNvSpPr/>
-          <p:nvPr/>
-        </p:nvSpPr>
-        <p:spPr>
-          <a:xfrm>
-            <a:off x="194554" y="3059348"/>
-            <a:ext cx="933855" cy="739302"/>
-          </a:xfrm>
-          <a:prstGeom prst="rightArrow">
-            <a:avLst/>
-          </a:prstGeom>
-        </p:spPr>
-        <p:style>
-          <a:lnRef idx="2">
-            <a:schemeClr val="accent1">
-              <a:shade val="50000"/>
-            </a:schemeClr>
-          </a:lnRef>
-          <a:fillRef idx="1">
-            <a:schemeClr val="accent1"/>
-          </a:fillRef>
-          <a:effectRef idx="0">
-            <a:schemeClr val="accent1"/>
-          </a:effectRef>
-          <a:fontRef idx="minor">
-            <a:schemeClr val="lt1"/>
-          </a:fontRef>
-        </p:style>
-        <p:txBody>
-          <a:bodyPr rtlCol="0" anchor="ctr"/>
-          <a:lstStyle/>
-          <a:p>
-            <a:pPr algn="ctr"/>
-            <a:endParaRPr lang="ko-KR" altLang="en-US" dirty="0"/>
-          </a:p>
-        </p:txBody>
-      </p:sp>
-    </p:spTree>
-    <p:extLst>
-      <p:ext uri="{BB962C8B-B14F-4D97-AF65-F5344CB8AC3E}">
-        <p14:creationId xmlns:p14="http://schemas.microsoft.com/office/powerpoint/2010/main" val="1632985589"/>
-      </p:ext>
-    </p:extLst>
-  </p:cSld>
-  <p:clrMapOvr>
-    <a:masterClrMapping/>
-  </p:clrMapOvr>
-</p:sld>
-</file>
-
-<file path=ppt/slides/slide15.xml><?xml version="1.0" encoding="utf-8"?>
-<p:sld xmlns:a="http://schemas.openxmlformats.org/drawingml/2006/main" xmlns:r="http://schemas.openxmlformats.org/officeDocument/2006/relationships" xmlns:p="http://schemas.openxmlformats.org/presentationml/2006/main">
-  <p:cSld>
-    <p:spTree>
-      <p:nvGrpSpPr>
-        <p:cNvPr id="1" name=""/>
-        <p:cNvGrpSpPr/>
-        <p:nvPr/>
-      </p:nvGrpSpPr>
-      <p:grpSpPr>
-        <a:xfrm>
-          <a:off x="0" y="0"/>
-          <a:ext cx="0" cy="0"/>
-          <a:chOff x="0" y="0"/>
-          <a:chExt cx="0" cy="0"/>
-        </a:xfrm>
-      </p:grpSpPr>
-      <p:graphicFrame>
-        <p:nvGraphicFramePr>
-          <p:cNvPr id="2" name="표 1">
-            <a:extLst>
-              <a:ext uri="{FF2B5EF4-FFF2-40B4-BE49-F238E27FC236}">
-                <a16:creationId xmlns:a16="http://schemas.microsoft.com/office/drawing/2014/main" id="{EE5B88B3-3594-4CC9-9E69-09C4AE20433D}"/>
-              </a:ext>
-            </a:extLst>
-          </p:cNvPr>
-          <p:cNvGraphicFramePr>
-            <a:graphicFrameLocks noGrp="1"/>
-          </p:cNvGraphicFramePr>
-          <p:nvPr>
-            <p:extLst>
-              <p:ext uri="{D42A27DB-BD31-4B8C-83A1-F6EECF244321}">
-                <p14:modId xmlns:p14="http://schemas.microsoft.com/office/powerpoint/2010/main" val="3137378250"/>
-              </p:ext>
-            </p:extLst>
-          </p:nvPr>
-        </p:nvGraphicFramePr>
-        <p:xfrm>
-          <a:off x="1312152" y="612752"/>
-          <a:ext cx="1927157" cy="5632495"/>
-        </p:xfrm>
-        <a:graphic>
-          <a:graphicData uri="http://schemas.openxmlformats.org/drawingml/2006/table">
-            <a:tbl>
-              <a:tblPr firstRow="1" bandRow="1">
-                <a:tableStyleId>{5C22544A-7EE6-4342-B048-85BDC9FD1C3A}</a:tableStyleId>
-              </a:tblPr>
-              <a:tblGrid>
-                <a:gridCol w="1927157">
-                  <a:extLst>
-                    <a:ext uri="{9D8B030D-6E8A-4147-A177-3AD203B41FA5}">
-                      <a16:colId xmlns:a16="http://schemas.microsoft.com/office/drawing/2014/main" val="2877659131"/>
-                    </a:ext>
-                  </a:extLst>
-                </a:gridCol>
-              </a:tblGrid>
-              <a:tr h="1126499">
-                <a:tc>
-                  <a:txBody>
-                    <a:bodyPr/>
-                    <a:lstStyle/>
-                    <a:p>
-                      <a:pPr algn="ctr" latinLnBrk="1"/>
-                      <a:r>
-                        <a:rPr lang="en-US" altLang="ko-KR" sz="4000" b="0" dirty="0">
-                          <a:solidFill>
-                            <a:schemeClr val="bg1"/>
-                          </a:solidFill>
-                        </a:rPr>
                         <a:t>4</a:t>
-                      </a:r>
-                      <a:endParaRPr lang="ko-KR" altLang="en-US" sz="4000" b="0" dirty="0">
-                        <a:solidFill>
-                          <a:schemeClr val="bg1"/>
-                        </a:solidFill>
-                      </a:endParaRPr>
-                    </a:p>
-                  </a:txBody>
-                  <a:tcPr anchor="ctr">
-                    <a:solidFill>
-                      <a:schemeClr val="tx1"/>
-                    </a:solidFill>
-                  </a:tcPr>
-                </a:tc>
-                <a:extLst>
-                  <a:ext uri="{0D108BD9-81ED-4DB2-BD59-A6C34878D82A}">
-                    <a16:rowId xmlns:a16="http://schemas.microsoft.com/office/drawing/2014/main" val="524894775"/>
-                  </a:ext>
-                </a:extLst>
-              </a:tr>
-              <a:tr h="1126499">
-                <a:tc>
-                  <a:txBody>
-                    <a:bodyPr/>
-                    <a:lstStyle/>
-                    <a:p>
-                      <a:pPr algn="ctr" latinLnBrk="1"/>
-                      <a:r>
-                        <a:rPr lang="en-US" altLang="ko-KR" sz="4000" b="0" dirty="0">
-                          <a:solidFill>
-                            <a:schemeClr val="bg1"/>
-                          </a:solidFill>
-                        </a:rPr>
-                        <a:t>8</a:t>
                       </a:r>
                       <a:endParaRPr lang="ko-KR" altLang="en-US" sz="4000" b="0" dirty="0">
                         <a:solidFill>
@@ -5757,10 +5224,10 @@
       </p:graphicFrame>
       <p:sp>
         <p:nvSpPr>
-          <p:cNvPr id="3" name="직사각형 2">
-            <a:extLst>
-              <a:ext uri="{FF2B5EF4-FFF2-40B4-BE49-F238E27FC236}">
-                <a16:creationId xmlns:a16="http://schemas.microsoft.com/office/drawing/2014/main" id="{35B8FBB7-5D0F-470F-BDDE-99642FDD864F}"/>
+          <p:cNvPr id="5" name="직사각형 4">
+            <a:extLst>
+              <a:ext uri="{FF2B5EF4-FFF2-40B4-BE49-F238E27FC236}">
+                <a16:creationId xmlns:a16="http://schemas.microsoft.com/office/drawing/2014/main" id="{E06B3371-5D22-4B84-A857-0B7100F6CD24}"/>
               </a:ext>
             </a:extLst>
           </p:cNvPr>
@@ -5802,6 +5269,14 @@
           <a:bodyPr rtlCol="0" anchor="ctr"/>
           <a:lstStyle/>
           <a:p>
+            <a:r>
+              <a:rPr lang="en-US" altLang="ko-KR" sz="4400" dirty="0">
+                <a:solidFill>
+                  <a:schemeClr val="tx1"/>
+                </a:solidFill>
+              </a:rPr>
+              <a:t>8</a:t>
+            </a:r>
             <a:endParaRPr lang="ko-KR" altLang="en-US" sz="4400" dirty="0">
               <a:solidFill>
                 <a:schemeClr val="tx1"/>
@@ -5812,10 +5287,10 @@
       </p:sp>
       <p:sp>
         <p:nvSpPr>
-          <p:cNvPr id="4" name="TextBox 3">
-            <a:extLst>
-              <a:ext uri="{FF2B5EF4-FFF2-40B4-BE49-F238E27FC236}">
-                <a16:creationId xmlns:a16="http://schemas.microsoft.com/office/drawing/2014/main" id="{24CC75BA-C729-49F9-B52D-EF491B38A023}"/>
+          <p:cNvPr id="6" name="TextBox 5">
+            <a:extLst>
+              <a:ext uri="{FF2B5EF4-FFF2-40B4-BE49-F238E27FC236}">
+                <a16:creationId xmlns:a16="http://schemas.microsoft.com/office/drawing/2014/main" id="{131CA540-F5D1-41BB-85F5-735268844C3B}"/>
               </a:ext>
             </a:extLst>
           </p:cNvPr>
@@ -5848,10 +5323,10 @@
       </p:sp>
       <p:sp>
         <p:nvSpPr>
-          <p:cNvPr id="5" name="TextBox 4">
-            <a:extLst>
-              <a:ext uri="{FF2B5EF4-FFF2-40B4-BE49-F238E27FC236}">
-                <a16:creationId xmlns:a16="http://schemas.microsoft.com/office/drawing/2014/main" id="{A73B4899-82DE-4E41-B03D-06C7E32E18AB}"/>
+          <p:cNvPr id="7" name="TextBox 6">
+            <a:extLst>
+              <a:ext uri="{FF2B5EF4-FFF2-40B4-BE49-F238E27FC236}">
+                <a16:creationId xmlns:a16="http://schemas.microsoft.com/office/drawing/2014/main" id="{D521CEB4-0AD4-4DE7-B680-D25E779650AA}"/>
               </a:ext>
             </a:extLst>
           </p:cNvPr>
@@ -5885,10 +5360,10 @@
       </p:sp>
       <p:sp>
         <p:nvSpPr>
-          <p:cNvPr id="6" name="화살표: 오른쪽 5">
-            <a:extLst>
-              <a:ext uri="{FF2B5EF4-FFF2-40B4-BE49-F238E27FC236}">
-                <a16:creationId xmlns:a16="http://schemas.microsoft.com/office/drawing/2014/main" id="{01B0D0D8-12AB-4483-9F96-20C18FAF8687}"/>
+          <p:cNvPr id="8" name="화살표: 오른쪽 7">
+            <a:extLst>
+              <a:ext uri="{FF2B5EF4-FFF2-40B4-BE49-F238E27FC236}">
+                <a16:creationId xmlns:a16="http://schemas.microsoft.com/office/drawing/2014/main" id="{3205C6B8-B548-4F2D-B7E0-DED826EC5CB0}"/>
               </a:ext>
             </a:extLst>
           </p:cNvPr>
@@ -5929,10 +5404,561 @@
           </a:p>
         </p:txBody>
       </p:sp>
+      <p:sp>
+        <p:nvSpPr>
+          <p:cNvPr id="9" name="타원 8">
+            <a:extLst>
+              <a:ext uri="{FF2B5EF4-FFF2-40B4-BE49-F238E27FC236}">
+                <a16:creationId xmlns:a16="http://schemas.microsoft.com/office/drawing/2014/main" id="{03C95EF5-3B8D-4084-A22C-0481F4F724F0}"/>
+              </a:ext>
+            </a:extLst>
+          </p:cNvPr>
+          <p:cNvSpPr/>
+          <p:nvPr/>
+        </p:nvSpPr>
+        <p:spPr>
+          <a:xfrm>
+            <a:off x="3933217" y="1503125"/>
+            <a:ext cx="649670" cy="778692"/>
+          </a:xfrm>
+          <a:prstGeom prst="ellipse">
+            <a:avLst/>
+          </a:prstGeom>
+          <a:noFill/>
+          <a:ln w="25400">
+            <a:solidFill>
+              <a:srgbClr val="FF0000"/>
+            </a:solidFill>
+          </a:ln>
+        </p:spPr>
+        <p:style>
+          <a:lnRef idx="2">
+            <a:schemeClr val="accent1">
+              <a:shade val="50000"/>
+            </a:schemeClr>
+          </a:lnRef>
+          <a:fillRef idx="1">
+            <a:schemeClr val="accent1"/>
+          </a:fillRef>
+          <a:effectRef idx="0">
+            <a:schemeClr val="accent1"/>
+          </a:effectRef>
+          <a:fontRef idx="minor">
+            <a:schemeClr val="lt1"/>
+          </a:fontRef>
+        </p:style>
+        <p:txBody>
+          <a:bodyPr rtlCol="0" anchor="ctr"/>
+          <a:lstStyle/>
+          <a:p>
+            <a:pPr algn="ctr"/>
+            <a:endParaRPr lang="ko-KR" altLang="en-US" dirty="0"/>
+          </a:p>
+        </p:txBody>
+      </p:sp>
+      <p:sp>
+        <p:nvSpPr>
+          <p:cNvPr id="10" name="타원 9">
+            <a:extLst>
+              <a:ext uri="{FF2B5EF4-FFF2-40B4-BE49-F238E27FC236}">
+                <a16:creationId xmlns:a16="http://schemas.microsoft.com/office/drawing/2014/main" id="{A6E94242-46B8-44DE-86F9-60E0A2401623}"/>
+              </a:ext>
+            </a:extLst>
+          </p:cNvPr>
+          <p:cNvSpPr/>
+          <p:nvPr/>
+        </p:nvSpPr>
+        <p:spPr>
+          <a:xfrm>
+            <a:off x="1950895" y="3059348"/>
+            <a:ext cx="649670" cy="778692"/>
+          </a:xfrm>
+          <a:prstGeom prst="ellipse">
+            <a:avLst/>
+          </a:prstGeom>
+          <a:noFill/>
+          <a:ln w="25400">
+            <a:solidFill>
+              <a:srgbClr val="FF0000"/>
+            </a:solidFill>
+          </a:ln>
+        </p:spPr>
+        <p:style>
+          <a:lnRef idx="2">
+            <a:schemeClr val="accent1">
+              <a:shade val="50000"/>
+            </a:schemeClr>
+          </a:lnRef>
+          <a:fillRef idx="1">
+            <a:schemeClr val="accent1"/>
+          </a:fillRef>
+          <a:effectRef idx="0">
+            <a:schemeClr val="accent1"/>
+          </a:effectRef>
+          <a:fontRef idx="minor">
+            <a:schemeClr val="lt1"/>
+          </a:fontRef>
+        </p:style>
+        <p:txBody>
+          <a:bodyPr rtlCol="0" anchor="ctr"/>
+          <a:lstStyle/>
+          <a:p>
+            <a:pPr algn="ctr"/>
+            <a:endParaRPr lang="ko-KR" altLang="en-US" dirty="0"/>
+          </a:p>
+        </p:txBody>
+      </p:sp>
+    </p:spTree>
+    <p:extLst>
+      <p:ext uri="{BB962C8B-B14F-4D97-AF65-F5344CB8AC3E}">
+        <p14:creationId xmlns:p14="http://schemas.microsoft.com/office/powerpoint/2010/main" val="2488396717"/>
+      </p:ext>
+    </p:extLst>
+  </p:cSld>
+  <p:clrMapOvr>
+    <a:masterClrMapping/>
+  </p:clrMapOvr>
+</p:sld>
+</file>
+
+<file path=ppt/slides/slide14.xml><?xml version="1.0" encoding="utf-8"?>
+<p:sld xmlns:a="http://schemas.openxmlformats.org/drawingml/2006/main" xmlns:r="http://schemas.openxmlformats.org/officeDocument/2006/relationships" xmlns:p="http://schemas.openxmlformats.org/presentationml/2006/main">
+  <p:cSld>
+    <p:spTree>
+      <p:nvGrpSpPr>
+        <p:cNvPr id="1" name=""/>
+        <p:cNvGrpSpPr/>
+        <p:nvPr/>
+      </p:nvGrpSpPr>
+      <p:grpSpPr>
+        <a:xfrm>
+          <a:off x="0" y="0"/>
+          <a:ext cx="0" cy="0"/>
+          <a:chOff x="0" y="0"/>
+          <a:chExt cx="0" cy="0"/>
+        </a:xfrm>
+      </p:grpSpPr>
+      <p:graphicFrame>
+        <p:nvGraphicFramePr>
+          <p:cNvPr id="2" name="표 1">
+            <a:extLst>
+              <a:ext uri="{FF2B5EF4-FFF2-40B4-BE49-F238E27FC236}">
+                <a16:creationId xmlns:a16="http://schemas.microsoft.com/office/drawing/2014/main" id="{EE5B88B3-3594-4CC9-9E69-09C4AE20433D}"/>
+              </a:ext>
+            </a:extLst>
+          </p:cNvPr>
+          <p:cNvGraphicFramePr>
+            <a:graphicFrameLocks noGrp="1"/>
+          </p:cNvGraphicFramePr>
+          <p:nvPr>
+            <p:extLst>
+              <p:ext uri="{D42A27DB-BD31-4B8C-83A1-F6EECF244321}">
+                <p14:modId xmlns:p14="http://schemas.microsoft.com/office/powerpoint/2010/main" val="2210291542"/>
+              </p:ext>
+            </p:extLst>
+          </p:nvPr>
+        </p:nvGraphicFramePr>
+        <p:xfrm>
+          <a:off x="1312152" y="612752"/>
+          <a:ext cx="1927157" cy="5632495"/>
+        </p:xfrm>
+        <a:graphic>
+          <a:graphicData uri="http://schemas.openxmlformats.org/drawingml/2006/table">
+            <a:tbl>
+              <a:tblPr firstRow="1" bandRow="1">
+                <a:tableStyleId>{5C22544A-7EE6-4342-B048-85BDC9FD1C3A}</a:tableStyleId>
+              </a:tblPr>
+              <a:tblGrid>
+                <a:gridCol w="1927157">
+                  <a:extLst>
+                    <a:ext uri="{9D8B030D-6E8A-4147-A177-3AD203B41FA5}">
+                      <a16:colId xmlns:a16="http://schemas.microsoft.com/office/drawing/2014/main" val="2877659131"/>
+                    </a:ext>
+                  </a:extLst>
+                </a:gridCol>
+              </a:tblGrid>
+              <a:tr h="1126499">
+                <a:tc>
+                  <a:txBody>
+                    <a:bodyPr/>
+                    <a:lstStyle/>
+                    <a:p>
+                      <a:pPr algn="ctr" latinLnBrk="1"/>
+                      <a:r>
+                        <a:rPr lang="en-US" altLang="ko-KR" sz="4000" b="0" dirty="0">
+                          <a:solidFill>
+                            <a:schemeClr val="bg1"/>
+                          </a:solidFill>
+                        </a:rPr>
+                        <a:t>4</a:t>
+                      </a:r>
+                      <a:endParaRPr lang="ko-KR" altLang="en-US" sz="4000" b="0" dirty="0">
+                        <a:solidFill>
+                          <a:schemeClr val="bg1"/>
+                        </a:solidFill>
+                      </a:endParaRPr>
+                    </a:p>
+                  </a:txBody>
+                  <a:tcPr anchor="ctr">
+                    <a:solidFill>
+                      <a:schemeClr val="tx1"/>
+                    </a:solidFill>
+                  </a:tcPr>
+                </a:tc>
+                <a:extLst>
+                  <a:ext uri="{0D108BD9-81ED-4DB2-BD59-A6C34878D82A}">
+                    <a16:rowId xmlns:a16="http://schemas.microsoft.com/office/drawing/2014/main" val="524894775"/>
+                  </a:ext>
+                </a:extLst>
+              </a:tr>
+              <a:tr h="1126499">
+                <a:tc>
+                  <a:txBody>
+                    <a:bodyPr/>
+                    <a:lstStyle/>
+                    <a:p>
+                      <a:pPr algn="ctr" latinLnBrk="1"/>
+                      <a:r>
+                        <a:rPr lang="en-US" altLang="ko-KR" sz="4000" b="0" dirty="0">
+                          <a:solidFill>
+                            <a:schemeClr val="bg1"/>
+                          </a:solidFill>
+                        </a:rPr>
+                        <a:t>4</a:t>
+                      </a:r>
+                      <a:endParaRPr lang="ko-KR" altLang="en-US" sz="4000" b="0" dirty="0">
+                        <a:solidFill>
+                          <a:schemeClr val="bg1"/>
+                        </a:solidFill>
+                      </a:endParaRPr>
+                    </a:p>
+                  </a:txBody>
+                  <a:tcPr anchor="ctr">
+                    <a:solidFill>
+                      <a:schemeClr val="tx1"/>
+                    </a:solidFill>
+                  </a:tcPr>
+                </a:tc>
+                <a:extLst>
+                  <a:ext uri="{0D108BD9-81ED-4DB2-BD59-A6C34878D82A}">
+                    <a16:rowId xmlns:a16="http://schemas.microsoft.com/office/drawing/2014/main" val="1997767072"/>
+                  </a:ext>
+                </a:extLst>
+              </a:tr>
+              <a:tr h="1126499">
+                <a:tc>
+                  <a:txBody>
+                    <a:bodyPr/>
+                    <a:lstStyle/>
+                    <a:p>
+                      <a:pPr algn="ctr" latinLnBrk="1"/>
+                      <a:r>
+                        <a:rPr lang="en-US" altLang="ko-KR" sz="4000" b="0" dirty="0">
+                          <a:solidFill>
+                            <a:schemeClr val="bg1"/>
+                          </a:solidFill>
+                        </a:rPr>
+                        <a:t>16</a:t>
+                      </a:r>
+                      <a:endParaRPr lang="ko-KR" altLang="en-US" sz="4000" b="0" dirty="0">
+                        <a:solidFill>
+                          <a:schemeClr val="bg1"/>
+                        </a:solidFill>
+                      </a:endParaRPr>
+                    </a:p>
+                  </a:txBody>
+                  <a:tcPr anchor="ctr">
+                    <a:solidFill>
+                      <a:schemeClr val="tx1"/>
+                    </a:solidFill>
+                  </a:tcPr>
+                </a:tc>
+                <a:extLst>
+                  <a:ext uri="{0D108BD9-81ED-4DB2-BD59-A6C34878D82A}">
+                    <a16:rowId xmlns:a16="http://schemas.microsoft.com/office/drawing/2014/main" val="1193258116"/>
+                  </a:ext>
+                </a:extLst>
+              </a:tr>
+              <a:tr h="1126499">
+                <a:tc>
+                  <a:txBody>
+                    <a:bodyPr/>
+                    <a:lstStyle/>
+                    <a:p>
+                      <a:pPr algn="ctr" latinLnBrk="1"/>
+                      <a:r>
+                        <a:rPr lang="en-US" altLang="ko-KR" sz="4000" b="0" dirty="0">
+                          <a:solidFill>
+                            <a:schemeClr val="bg1"/>
+                          </a:solidFill>
+                        </a:rPr>
+                        <a:t>0</a:t>
+                      </a:r>
+                      <a:endParaRPr lang="ko-KR" altLang="en-US" sz="4000" b="0" dirty="0">
+                        <a:solidFill>
+                          <a:schemeClr val="bg1"/>
+                        </a:solidFill>
+                      </a:endParaRPr>
+                    </a:p>
+                  </a:txBody>
+                  <a:tcPr anchor="ctr">
+                    <a:solidFill>
+                      <a:schemeClr val="tx1"/>
+                    </a:solidFill>
+                  </a:tcPr>
+                </a:tc>
+                <a:extLst>
+                  <a:ext uri="{0D108BD9-81ED-4DB2-BD59-A6C34878D82A}">
+                    <a16:rowId xmlns:a16="http://schemas.microsoft.com/office/drawing/2014/main" val="3647202458"/>
+                  </a:ext>
+                </a:extLst>
+              </a:tr>
+              <a:tr h="1126499">
+                <a:tc>
+                  <a:txBody>
+                    <a:bodyPr/>
+                    <a:lstStyle/>
+                    <a:p>
+                      <a:pPr algn="ctr" latinLnBrk="1"/>
+                      <a:r>
+                        <a:rPr lang="en-US" altLang="ko-KR" sz="4000" b="0" dirty="0">
+                          <a:solidFill>
+                            <a:schemeClr val="bg1"/>
+                          </a:solidFill>
+                        </a:rPr>
+                        <a:t>0</a:t>
+                      </a:r>
+                      <a:endParaRPr lang="ko-KR" altLang="en-US" sz="4000" b="0" dirty="0">
+                        <a:solidFill>
+                          <a:schemeClr val="bg1"/>
+                        </a:solidFill>
+                      </a:endParaRPr>
+                    </a:p>
+                  </a:txBody>
+                  <a:tcPr anchor="ctr">
+                    <a:solidFill>
+                      <a:schemeClr val="tx1"/>
+                    </a:solidFill>
+                  </a:tcPr>
+                </a:tc>
+                <a:extLst>
+                  <a:ext uri="{0D108BD9-81ED-4DB2-BD59-A6C34878D82A}">
+                    <a16:rowId xmlns:a16="http://schemas.microsoft.com/office/drawing/2014/main" val="4029319800"/>
+                  </a:ext>
+                </a:extLst>
+              </a:tr>
+            </a:tbl>
+          </a:graphicData>
+        </a:graphic>
+      </p:graphicFrame>
+      <p:sp>
+        <p:nvSpPr>
+          <p:cNvPr id="3" name="직사각형 2">
+            <a:extLst>
+              <a:ext uri="{FF2B5EF4-FFF2-40B4-BE49-F238E27FC236}">
+                <a16:creationId xmlns:a16="http://schemas.microsoft.com/office/drawing/2014/main" id="{35B8FBB7-5D0F-470F-BDDE-99642FDD864F}"/>
+              </a:ext>
+            </a:extLst>
+          </p:cNvPr>
+          <p:cNvSpPr/>
+          <p:nvPr/>
+        </p:nvSpPr>
+        <p:spPr>
+          <a:xfrm>
+            <a:off x="3968885" y="1468877"/>
+            <a:ext cx="6079787" cy="856034"/>
+          </a:xfrm>
+          <a:prstGeom prst="rect">
+            <a:avLst/>
+          </a:prstGeom>
+          <a:noFill/>
+          <a:ln w="15875">
+            <a:solidFill>
+              <a:schemeClr val="tx1"/>
+            </a:solidFill>
+          </a:ln>
+        </p:spPr>
+        <p:style>
+          <a:lnRef idx="2">
+            <a:schemeClr val="accent1">
+              <a:shade val="50000"/>
+            </a:schemeClr>
+          </a:lnRef>
+          <a:fillRef idx="1">
+            <a:schemeClr val="accent1"/>
+          </a:fillRef>
+          <a:effectRef idx="0">
+            <a:schemeClr val="accent1"/>
+          </a:effectRef>
+          <a:fontRef idx="minor">
+            <a:schemeClr val="lt1"/>
+          </a:fontRef>
+        </p:style>
+        <p:txBody>
+          <a:bodyPr rtlCol="0" anchor="ctr"/>
+          <a:lstStyle/>
+          <a:p>
+            <a:endParaRPr lang="ko-KR" altLang="en-US" sz="4400" dirty="0">
+              <a:solidFill>
+                <a:schemeClr val="tx1"/>
+              </a:solidFill>
+            </a:endParaRPr>
+          </a:p>
+        </p:txBody>
+      </p:sp>
+      <p:sp>
+        <p:nvSpPr>
+          <p:cNvPr id="4" name="TextBox 3">
+            <a:extLst>
+              <a:ext uri="{FF2B5EF4-FFF2-40B4-BE49-F238E27FC236}">
+                <a16:creationId xmlns:a16="http://schemas.microsoft.com/office/drawing/2014/main" id="{24CC75BA-C729-49F9-B52D-EF491B38A023}"/>
+              </a:ext>
+            </a:extLst>
+          </p:cNvPr>
+          <p:cNvSpPr txBox="1"/>
+          <p:nvPr/>
+        </p:nvSpPr>
+        <p:spPr>
+          <a:xfrm>
+            <a:off x="3933217" y="991903"/>
+            <a:ext cx="2217906" cy="369332"/>
+          </a:xfrm>
+          <a:prstGeom prst="rect">
+            <a:avLst/>
+          </a:prstGeom>
+          <a:noFill/>
+        </p:spPr>
+        <p:txBody>
+          <a:bodyPr wrap="square" rtlCol="0">
+            <a:spAutoFit/>
+          </a:bodyPr>
+          <a:lstStyle/>
+          <a:p>
+            <a:r>
+              <a:rPr lang="en-US" altLang="ko-KR" dirty="0"/>
+              <a:t>Queue</a:t>
+            </a:r>
+            <a:endParaRPr lang="ko-KR" altLang="en-US" dirty="0"/>
+          </a:p>
+        </p:txBody>
+      </p:sp>
+      <p:sp>
+        <p:nvSpPr>
+          <p:cNvPr id="5" name="TextBox 4">
+            <a:extLst>
+              <a:ext uri="{FF2B5EF4-FFF2-40B4-BE49-F238E27FC236}">
+                <a16:creationId xmlns:a16="http://schemas.microsoft.com/office/drawing/2014/main" id="{A73B4899-82DE-4E41-B03D-06C7E32E18AB}"/>
+              </a:ext>
+            </a:extLst>
+          </p:cNvPr>
+          <p:cNvSpPr txBox="1"/>
+          <p:nvPr/>
+        </p:nvSpPr>
+        <p:spPr>
+          <a:xfrm>
+            <a:off x="3239309" y="153252"/>
+            <a:ext cx="5337313" cy="523220"/>
+          </a:xfrm>
+          <a:prstGeom prst="rect">
+            <a:avLst/>
+          </a:prstGeom>
+          <a:noFill/>
+        </p:spPr>
+        <p:txBody>
+          <a:bodyPr wrap="square" rtlCol="0">
+            <a:spAutoFit/>
+          </a:bodyPr>
+          <a:lstStyle/>
+          <a:p>
+            <a:pPr algn="ctr"/>
+            <a:r>
+              <a:rPr lang="en-US" altLang="ko-KR" sz="2800" dirty="0"/>
+              <a:t>UP</a:t>
+            </a:r>
+            <a:endParaRPr lang="ko-KR" altLang="en-US" sz="2800" dirty="0"/>
+          </a:p>
+        </p:txBody>
+      </p:sp>
+      <p:sp>
+        <p:nvSpPr>
+          <p:cNvPr id="6" name="화살표: 오른쪽 5">
+            <a:extLst>
+              <a:ext uri="{FF2B5EF4-FFF2-40B4-BE49-F238E27FC236}">
+                <a16:creationId xmlns:a16="http://schemas.microsoft.com/office/drawing/2014/main" id="{01B0D0D8-12AB-4483-9F96-20C18FAF8687}"/>
+              </a:ext>
+            </a:extLst>
+          </p:cNvPr>
+          <p:cNvSpPr/>
+          <p:nvPr/>
+        </p:nvSpPr>
+        <p:spPr>
+          <a:xfrm>
+            <a:off x="194554" y="3059348"/>
+            <a:ext cx="933855" cy="739302"/>
+          </a:xfrm>
+          <a:prstGeom prst="rightArrow">
+            <a:avLst/>
+          </a:prstGeom>
+        </p:spPr>
+        <p:style>
+          <a:lnRef idx="2">
+            <a:schemeClr val="accent1">
+              <a:shade val="50000"/>
+            </a:schemeClr>
+          </a:lnRef>
+          <a:fillRef idx="1">
+            <a:schemeClr val="accent1"/>
+          </a:fillRef>
+          <a:effectRef idx="0">
+            <a:schemeClr val="accent1"/>
+          </a:effectRef>
+          <a:fontRef idx="minor">
+            <a:schemeClr val="lt1"/>
+          </a:fontRef>
+        </p:style>
+        <p:txBody>
+          <a:bodyPr rtlCol="0" anchor="ctr"/>
+          <a:lstStyle/>
+          <a:p>
+            <a:pPr algn="ctr"/>
+            <a:endParaRPr lang="ko-KR" altLang="en-US" dirty="0"/>
+          </a:p>
+        </p:txBody>
+      </p:sp>
     </p:spTree>
     <p:extLst>
       <p:ext uri="{BB962C8B-B14F-4D97-AF65-F5344CB8AC3E}">
         <p14:creationId xmlns:p14="http://schemas.microsoft.com/office/powerpoint/2010/main" val="3073402548"/>
+      </p:ext>
+    </p:extLst>
+  </p:cSld>
+  <p:clrMapOvr>
+    <a:masterClrMapping/>
+  </p:clrMapOvr>
+</p:sld>
+</file>
+
+<file path=ppt/slides/slide15.xml><?xml version="1.0" encoding="utf-8"?>
+<p:sld xmlns:a="http://schemas.openxmlformats.org/drawingml/2006/main" xmlns:r="http://schemas.openxmlformats.org/officeDocument/2006/relationships" xmlns:p="http://schemas.openxmlformats.org/presentationml/2006/main">
+  <p:cSld>
+    <p:spTree>
+      <p:nvGrpSpPr>
+        <p:cNvPr id="1" name=""/>
+        <p:cNvGrpSpPr/>
+        <p:nvPr/>
+      </p:nvGrpSpPr>
+      <p:grpSpPr>
+        <a:xfrm>
+          <a:off x="0" y="0"/>
+          <a:ext cx="0" cy="0"/>
+          <a:chOff x="0" y="0"/>
+          <a:chExt cx="0" cy="0"/>
+        </a:xfrm>
+      </p:grpSpPr>
+    </p:spTree>
+    <p:extLst>
+      <p:ext uri="{BB962C8B-B14F-4D97-AF65-F5344CB8AC3E}">
+        <p14:creationId xmlns:p14="http://schemas.microsoft.com/office/powerpoint/2010/main" val="3752493395"/>
       </p:ext>
     </p:extLst>
   </p:cSld>
@@ -6214,7 +6240,7 @@
           <a:lstStyle/>
           <a:p>
             <a:pPr algn="ctr"/>
-            <a:endParaRPr lang="ko-KR" altLang="en-US"/>
+            <a:endParaRPr lang="ko-KR" altLang="en-US" dirty="0"/>
           </a:p>
         </p:txBody>
       </p:sp>
@@ -6365,7 +6391,7 @@
           <a:lstStyle/>
           <a:p>
             <a:pPr algn="ctr"/>
-            <a:endParaRPr lang="ko-KR" altLang="en-US"/>
+            <a:endParaRPr lang="ko-KR" altLang="en-US" dirty="0"/>
           </a:p>
         </p:txBody>
       </p:sp>
@@ -6698,7 +6724,7 @@
           <a:lstStyle/>
           <a:p>
             <a:pPr algn="ctr"/>
-            <a:endParaRPr lang="ko-KR" altLang="en-US"/>
+            <a:endParaRPr lang="ko-KR" altLang="en-US" dirty="0"/>
           </a:p>
         </p:txBody>
       </p:sp>
@@ -6893,7 +6919,7 @@
           <a:lstStyle/>
           <a:p>
             <a:pPr algn="ctr"/>
-            <a:endParaRPr lang="ko-KR" altLang="en-US"/>
+            <a:endParaRPr lang="ko-KR" altLang="en-US" dirty="0"/>
           </a:p>
         </p:txBody>
       </p:sp>
@@ -7228,7 +7254,7 @@
           <a:lstStyle/>
           <a:p>
             <a:pPr algn="ctr"/>
-            <a:endParaRPr lang="ko-KR" altLang="en-US"/>
+            <a:endParaRPr lang="ko-KR" altLang="en-US" dirty="0"/>
           </a:p>
         </p:txBody>
       </p:sp>
@@ -7379,7 +7405,7 @@
           <a:lstStyle/>
           <a:p>
             <a:pPr algn="ctr"/>
-            <a:endParaRPr lang="ko-KR" altLang="en-US"/>
+            <a:endParaRPr lang="ko-KR" altLang="en-US" dirty="0"/>
           </a:p>
         </p:txBody>
       </p:sp>
@@ -7712,7 +7738,7 @@
           <a:lstStyle/>
           <a:p>
             <a:pPr algn="ctr"/>
-            <a:endParaRPr lang="ko-KR" altLang="en-US"/>
+            <a:endParaRPr lang="ko-KR" altLang="en-US" dirty="0"/>
           </a:p>
         </p:txBody>
       </p:sp>
@@ -8235,7 +8261,7 @@
           <a:lstStyle/>
           <a:p>
             <a:pPr algn="ctr"/>
-            <a:endParaRPr lang="ko-KR" altLang="en-US"/>
+            <a:endParaRPr lang="ko-KR" altLang="en-US" dirty="0"/>
           </a:p>
         </p:txBody>
       </p:sp>
@@ -8628,7 +8654,7 @@
           <p:nvPr>
             <p:extLst>
               <p:ext uri="{D42A27DB-BD31-4B8C-83A1-F6EECF244321}">
-                <p14:modId xmlns:p14="http://schemas.microsoft.com/office/powerpoint/2010/main" val="753764627"/>
+                <p14:modId xmlns:p14="http://schemas.microsoft.com/office/powerpoint/2010/main" val="2358086179"/>
               </p:ext>
             </p:extLst>
           </p:nvPr>
@@ -8767,7 +8793,7 @@
                             <a:schemeClr val="bg1"/>
                           </a:solidFill>
                         </a:rPr>
-                        <a:t>4</a:t>
+                        <a:t>8</a:t>
                       </a:r>
                       <a:endParaRPr lang="ko-KR" altLang="en-US" sz="4000" b="0" dirty="0">
                         <a:solidFill>
@@ -8873,14 +8899,6 @@
           <a:bodyPr rtlCol="0" anchor="ctr"/>
           <a:lstStyle/>
           <a:p>
-            <a:r>
-              <a:rPr lang="en-US" altLang="ko-KR" sz="4400" dirty="0">
-                <a:solidFill>
-                  <a:schemeClr val="tx1"/>
-                </a:solidFill>
-              </a:rPr>
-              <a:t>2, 2, 4, 4, 8</a:t>
-            </a:r>
             <a:endParaRPr lang="ko-KR" altLang="en-US" sz="4400" dirty="0">
               <a:solidFill>
                 <a:schemeClr val="tx1"/>
@@ -9258,7 +9276,7 @@
                   <a:schemeClr val="tx1"/>
                 </a:solidFill>
               </a:rPr>
-              <a:t>2, 2, 4, 4, 8</a:t>
+              <a:t>2, 2, 4, 8, 8</a:t>
             </a:r>
             <a:endParaRPr lang="ko-KR" altLang="en-US" sz="4400" dirty="0">
               <a:solidFill>
@@ -9383,7 +9401,111 @@
           <a:lstStyle/>
           <a:p>
             <a:pPr algn="ctr"/>
-            <a:endParaRPr lang="ko-KR" altLang="en-US"/>
+            <a:endParaRPr lang="ko-KR" altLang="en-US" dirty="0"/>
+          </a:p>
+        </p:txBody>
+      </p:sp>
+      <p:sp>
+        <p:nvSpPr>
+          <p:cNvPr id="11" name="타원 10">
+            <a:extLst>
+              <a:ext uri="{FF2B5EF4-FFF2-40B4-BE49-F238E27FC236}">
+                <a16:creationId xmlns:a16="http://schemas.microsoft.com/office/drawing/2014/main" id="{0B5F4F40-AF9C-4C26-92E8-910D883D1F27}"/>
+              </a:ext>
+            </a:extLst>
+          </p:cNvPr>
+          <p:cNvSpPr/>
+          <p:nvPr/>
+        </p:nvSpPr>
+        <p:spPr>
+          <a:xfrm>
+            <a:off x="3933217" y="1503125"/>
+            <a:ext cx="649670" cy="778692"/>
+          </a:xfrm>
+          <a:prstGeom prst="ellipse">
+            <a:avLst/>
+          </a:prstGeom>
+          <a:noFill/>
+          <a:ln w="25400">
+            <a:solidFill>
+              <a:srgbClr val="FF0000"/>
+            </a:solidFill>
+          </a:ln>
+        </p:spPr>
+        <p:style>
+          <a:lnRef idx="2">
+            <a:schemeClr val="accent1">
+              <a:shade val="50000"/>
+            </a:schemeClr>
+          </a:lnRef>
+          <a:fillRef idx="1">
+            <a:schemeClr val="accent1"/>
+          </a:fillRef>
+          <a:effectRef idx="0">
+            <a:schemeClr val="accent1"/>
+          </a:effectRef>
+          <a:fontRef idx="minor">
+            <a:schemeClr val="lt1"/>
+          </a:fontRef>
+        </p:style>
+        <p:txBody>
+          <a:bodyPr rtlCol="0" anchor="ctr"/>
+          <a:lstStyle/>
+          <a:p>
+            <a:pPr algn="ctr"/>
+            <a:endParaRPr lang="ko-KR" altLang="en-US" dirty="0"/>
+          </a:p>
+        </p:txBody>
+      </p:sp>
+      <p:sp>
+        <p:nvSpPr>
+          <p:cNvPr id="12" name="타원 11">
+            <a:extLst>
+              <a:ext uri="{FF2B5EF4-FFF2-40B4-BE49-F238E27FC236}">
+                <a16:creationId xmlns:a16="http://schemas.microsoft.com/office/drawing/2014/main" id="{D5592BE9-FB35-495D-BB11-AF7EA84FC51A}"/>
+              </a:ext>
+            </a:extLst>
+          </p:cNvPr>
+          <p:cNvSpPr/>
+          <p:nvPr/>
+        </p:nvSpPr>
+        <p:spPr>
+          <a:xfrm>
+            <a:off x="1950895" y="806918"/>
+            <a:ext cx="649670" cy="778692"/>
+          </a:xfrm>
+          <a:prstGeom prst="ellipse">
+            <a:avLst/>
+          </a:prstGeom>
+          <a:noFill/>
+          <a:ln w="25400">
+            <a:solidFill>
+              <a:srgbClr val="FF0000"/>
+            </a:solidFill>
+          </a:ln>
+        </p:spPr>
+        <p:style>
+          <a:lnRef idx="2">
+            <a:schemeClr val="accent1">
+              <a:shade val="50000"/>
+            </a:schemeClr>
+          </a:lnRef>
+          <a:fillRef idx="1">
+            <a:schemeClr val="accent1"/>
+          </a:fillRef>
+          <a:effectRef idx="0">
+            <a:schemeClr val="accent1"/>
+          </a:effectRef>
+          <a:fontRef idx="minor">
+            <a:schemeClr val="lt1"/>
+          </a:fontRef>
+        </p:style>
+        <p:txBody>
+          <a:bodyPr rtlCol="0" anchor="ctr"/>
+          <a:lstStyle/>
+          <a:p>
+            <a:pPr algn="ctr"/>
+            <a:endParaRPr lang="ko-KR" altLang="en-US" dirty="0"/>
           </a:p>
         </p:txBody>
       </p:sp>
